--- a/docs/IntroductionToTextMining.pptx
+++ b/docs/IntroductionToTextMining.pptx
@@ -147,6 +147,11 @@
             <a:srgbClr val="A4A3A4"/>
           </p15:clr>
         </p15:guide>
+        <p15:guide id="3" orient="horz" pos="2160">
+          <p15:clr>
+            <a:srgbClr val="A4A3A4"/>
+          </p15:clr>
+        </p15:guide>
       </p15:sldGuideLst>
     </p:ext>
   </p:extLst>
@@ -235,7 +240,7 @@
           <a:p>
             <a:fld id="{E8F3E8EE-47E5-47CD-960F-A3DDD26A6F74}" type="datetimeFigureOut">
               <a:rPr lang="en-US" smtClean="0"/>
-              <a:t>12/27/2014</a:t>
+              <a:t>1/10/2015</a:t>
             </a:fld>
             <a:endParaRPr lang="en-US"/>
           </a:p>
@@ -1554,7 +1559,7 @@
           <a:p>
             <a:fld id="{99A1076B-8692-4829-A8B9-C520EE8E7B2B}" type="datetime1">
               <a:rPr lang="en-US" smtClean="0"/>
-              <a:t>12/27/2014</a:t>
+              <a:t>1/10/2015</a:t>
             </a:fld>
             <a:endParaRPr lang="en-US"/>
           </a:p>
@@ -1724,7 +1729,7 @@
           <a:p>
             <a:fld id="{6F0576D1-30A8-4E97-A077-412D4DB3147F}" type="datetime1">
               <a:rPr lang="en-US" smtClean="0"/>
-              <a:t>12/27/2014</a:t>
+              <a:t>1/10/2015</a:t>
             </a:fld>
             <a:endParaRPr lang="en-US"/>
           </a:p>
@@ -1904,7 +1909,7 @@
           <a:p>
             <a:fld id="{EC9A0AAF-475D-4AE9-8FB5-8A701898EAA2}" type="datetime1">
               <a:rPr lang="en-US" smtClean="0"/>
-              <a:t>12/27/2014</a:t>
+              <a:t>1/10/2015</a:t>
             </a:fld>
             <a:endParaRPr lang="en-US"/>
           </a:p>
@@ -2074,7 +2079,7 @@
           <a:p>
             <a:fld id="{21927104-42C8-46DC-88DA-DD8EA282CF70}" type="datetime1">
               <a:rPr lang="en-US" smtClean="0"/>
-              <a:t>12/27/2014</a:t>
+              <a:t>1/10/2015</a:t>
             </a:fld>
             <a:endParaRPr lang="en-US"/>
           </a:p>
@@ -2320,7 +2325,7 @@
           <a:p>
             <a:fld id="{0146F7A1-3F1C-4728-B135-BEFC4C048328}" type="datetime1">
               <a:rPr lang="en-US" smtClean="0"/>
-              <a:t>12/27/2014</a:t>
+              <a:t>1/10/2015</a:t>
             </a:fld>
             <a:endParaRPr lang="en-US"/>
           </a:p>
@@ -2608,7 +2613,7 @@
           <a:p>
             <a:fld id="{23CF491A-1D7D-4C92-80B2-DCCDC98ACE02}" type="datetime1">
               <a:rPr lang="en-US" smtClean="0"/>
-              <a:t>12/27/2014</a:t>
+              <a:t>1/10/2015</a:t>
             </a:fld>
             <a:endParaRPr lang="en-US"/>
           </a:p>
@@ -3030,7 +3035,7 @@
           <a:p>
             <a:fld id="{248D068D-87E9-4BF5-8E18-A965915B21F3}" type="datetime1">
               <a:rPr lang="en-US" smtClean="0"/>
-              <a:t>12/27/2014</a:t>
+              <a:t>1/10/2015</a:t>
             </a:fld>
             <a:endParaRPr lang="en-US"/>
           </a:p>
@@ -3148,7 +3153,7 @@
           <a:p>
             <a:fld id="{0D6C0C1F-1ED6-443C-BA45-A67074C9C9CC}" type="datetime1">
               <a:rPr lang="en-US" smtClean="0"/>
-              <a:t>12/27/2014</a:t>
+              <a:t>1/10/2015</a:t>
             </a:fld>
             <a:endParaRPr lang="en-US"/>
           </a:p>
@@ -3243,7 +3248,7 @@
           <a:p>
             <a:fld id="{1F5EF885-E843-41DA-98E4-CB027E65BAE3}" type="datetime1">
               <a:rPr lang="en-US" smtClean="0"/>
-              <a:t>12/27/2014</a:t>
+              <a:t>1/10/2015</a:t>
             </a:fld>
             <a:endParaRPr lang="en-US"/>
           </a:p>
@@ -3520,7 +3525,7 @@
           <a:p>
             <a:fld id="{47EE6211-D691-43F8-A7FD-B1B6F18CACEF}" type="datetime1">
               <a:rPr lang="en-US" smtClean="0"/>
-              <a:t>12/27/2014</a:t>
+              <a:t>1/10/2015</a:t>
             </a:fld>
             <a:endParaRPr lang="en-US"/>
           </a:p>
@@ -3777,7 +3782,7 @@
           <a:p>
             <a:fld id="{4CA12B92-48BC-46D4-B04E-C02035F11F44}" type="datetime1">
               <a:rPr lang="en-US" smtClean="0"/>
-              <a:t>12/27/2014</a:t>
+              <a:t>1/10/2015</a:t>
             </a:fld>
             <a:endParaRPr lang="en-US"/>
           </a:p>
@@ -3990,7 +3995,7 @@
           <a:p>
             <a:fld id="{5A2FB8DB-0E50-4FF3-BE5D-F649E20D467A}" type="datetime1">
               <a:rPr lang="en-US" smtClean="0"/>
-              <a:t>12/27/2014</a:t>
+              <a:t>1/10/2015</a:t>
             </a:fld>
             <a:endParaRPr lang="en-US"/>
           </a:p>
@@ -5863,7 +5868,7 @@
           <p:nvPr>
             <p:extLst>
               <p:ext uri="{D42A27DB-BD31-4B8C-83A1-F6EECF244321}">
-                <p14:modId xmlns:p14="http://schemas.microsoft.com/office/powerpoint/2010/main" val="695785347"/>
+                <p14:modId xmlns:p14="http://schemas.microsoft.com/office/powerpoint/2010/main" val="4091037270"/>
               </p:ext>
             </p:extLst>
           </p:nvPr>
@@ -7551,8 +7556,18 @@
                           <a:effectLst/>
                           <a:latin typeface="Arial" panose="020B0604020202020204" pitchFamily="34" charset="0"/>
                         </a:rPr>
-                        <a:t>General </a:t>
+                        <a:t>General</a:t>
                       </a:r>
+                      <a:endParaRPr kumimoji="0" lang="en-US" altLang="en-US" sz="2000" b="0" i="0" u="none" strike="noStrike" cap="none" normalizeH="0" baseline="0" dirty="0" smtClean="0">
+                        <a:ln>
+                          <a:noFill/>
+                        </a:ln>
+                        <a:solidFill>
+                          <a:schemeClr val="tx1"/>
+                        </a:solidFill>
+                        <a:effectLst/>
+                        <a:latin typeface="Arial" panose="020B0604020202020204" pitchFamily="34" charset="0"/>
+                      </a:endParaRPr>
                     </a:p>
                     <a:p>
                       <a:pPr marL="0" marR="0" lvl="0" indent="0" algn="ctr" defTabSz="914400" rtl="0" eaLnBrk="0" fontAlgn="base" latinLnBrk="0" hangingPunct="0">
@@ -7962,7 +7977,7 @@
                         <a:tabLst/>
                       </a:pPr>
                       <a:r>
-                        <a:rPr kumimoji="0" lang="en-US" altLang="en-US" sz="2000" b="0" i="0" u="none" strike="noStrike" cap="none" normalizeH="0" baseline="0" smtClean="0">
+                        <a:rPr kumimoji="0" lang="en-US" altLang="en-US" sz="2000" b="0" i="0" u="none" strike="noStrike" cap="none" normalizeH="0" baseline="0" dirty="0" smtClean="0">
                           <a:ln>
                             <a:noFill/>
                           </a:ln>
@@ -7976,7 +7991,7 @@
                       </a:r>
                     </a:p>
                   </a:txBody>
-                  <a:tcPr horzOverflow="overflow">
+                  <a:tcPr anchor="ctr" horzOverflow="overflow">
                     <a:lnL w="12700" cap="flat" cmpd="sng" algn="ctr">
                       <a:solidFill>
                         <a:schemeClr val="tx1"/>
@@ -8573,7 +8588,7 @@
                       </a:r>
                     </a:p>
                   </a:txBody>
-                  <a:tcPr horzOverflow="overflow">
+                  <a:tcPr anchor="ctr" horzOverflow="overflow">
                     <a:lnL w="12700" cap="flat" cmpd="sng" algn="ctr">
                       <a:solidFill>
                         <a:schemeClr val="tx1"/>
@@ -11129,11 +11144,7 @@
           <a:p>
             <a:r>
               <a:rPr lang="en-US" dirty="0" smtClean="0"/>
-              <a:t>Document </a:t>
-            </a:r>
-            <a:r>
-              <a:rPr lang="en-US" dirty="0" smtClean="0"/>
-              <a:t>categorization</a:t>
+              <a:t>Document categorization</a:t>
             </a:r>
           </a:p>
           <a:p>
@@ -11223,11 +11234,7 @@
           <a:p>
             <a:r>
               <a:rPr lang="en-US" dirty="0" smtClean="0"/>
-              <a:t>Text </a:t>
-            </a:r>
-            <a:r>
-              <a:rPr lang="en-US" dirty="0" smtClean="0"/>
-              <a:t>clustering</a:t>
+              <a:t>Text clustering</a:t>
             </a:r>
           </a:p>
           <a:p>
@@ -11805,8 +11812,9 @@
             <a:pPr lvl="1"/>
             <a:r>
               <a:rPr lang="en-US" dirty="0" smtClean="0"/>
-              <a:t>Part-of-speech-tagging</a:t>
-            </a:r>
+              <a:t>Part-of-speech tagging</a:t>
+            </a:r>
+            <a:endParaRPr lang="en-US" dirty="0" smtClean="0"/>
           </a:p>
           <a:p>
             <a:pPr lvl="2"/>
@@ -14771,14 +14779,7 @@
                   <a:ea typeface="宋体" panose="02010600030101010101" pitchFamily="2" charset="-122"/>
                   <a:cs typeface="Times New Roman" panose="02020603050405020304" pitchFamily="18" charset="0"/>
                 </a:rPr>
-                <a:t>Knowledge </a:t>
-              </a:r>
-              <a:r>
-                <a:rPr lang="en-US" sz="1200" b="1" dirty="0">
-                  <a:ea typeface="宋体" panose="02010600030101010101" pitchFamily="2" charset="-122"/>
-                  <a:cs typeface="Times New Roman" panose="02020603050405020304" pitchFamily="18" charset="0"/>
-                </a:rPr>
-                <a:t>Discovery</a:t>
+                <a:t>Knowledge Discovery</a:t>
               </a:r>
               <a:endParaRPr lang="en-US" sz="1200" dirty="0">
                 <a:ea typeface="宋体" panose="02010600030101010101" pitchFamily="2" charset="-122"/>
@@ -15216,14 +15217,7 @@
                   <a:ea typeface="宋体" panose="02010600030101010101" pitchFamily="2" charset="-122"/>
                   <a:cs typeface="Times New Roman" panose="02020603050405020304" pitchFamily="18" charset="0"/>
                 </a:rPr>
-                <a:t>Behavior </a:t>
-              </a:r>
-              <a:r>
-                <a:rPr lang="en-US" sz="1200" b="1" i="1" dirty="0">
-                  <a:ea typeface="宋体" panose="02010600030101010101" pitchFamily="2" charset="-122"/>
-                  <a:cs typeface="Times New Roman" panose="02020603050405020304" pitchFamily="18" charset="0"/>
-                </a:rPr>
-                <a:t>data</a:t>
+                <a:t>Behavior data</a:t>
               </a:r>
               <a:endParaRPr lang="en-US" sz="1200" dirty="0">
                 <a:ea typeface="宋体" panose="02010600030101010101" pitchFamily="2" charset="-122"/>
@@ -15287,14 +15281,7 @@
                   <a:ea typeface="宋体" panose="02010600030101010101" pitchFamily="2" charset="-122"/>
                   <a:cs typeface="Times New Roman" panose="02020603050405020304" pitchFamily="18" charset="0"/>
                 </a:rPr>
-                <a:t>Text </a:t>
-              </a:r>
-              <a:r>
-                <a:rPr lang="en-US" sz="1200" b="1" i="1" dirty="0">
-                  <a:ea typeface="宋体" panose="02010600030101010101" pitchFamily="2" charset="-122"/>
-                  <a:cs typeface="Times New Roman" panose="02020603050405020304" pitchFamily="18" charset="0"/>
-                </a:rPr>
-                <a:t>data</a:t>
+                <a:t>Text data</a:t>
               </a:r>
               <a:endParaRPr lang="en-US" sz="1200" dirty="0">
                 <a:ea typeface="宋体" panose="02010600030101010101" pitchFamily="2" charset="-122"/>
@@ -15637,21 +15624,7 @@
                   <a:ea typeface="宋体" panose="02010600030101010101" pitchFamily="2" charset="-122"/>
                   <a:cs typeface="Times New Roman" panose="02020603050405020304" pitchFamily="18" charset="0"/>
                 </a:rPr>
-                <a:t>Human: </a:t>
-              </a:r>
-              <a:r>
-                <a:rPr lang="en-US" sz="1400" b="1" i="1" dirty="0">
-                  <a:ea typeface="宋体" panose="02010600030101010101" pitchFamily="2" charset="-122"/>
-                  <a:cs typeface="Times New Roman" panose="02020603050405020304" pitchFamily="18" charset="0"/>
-                </a:rPr>
-                <a:t>big data producer </a:t>
-              </a:r>
-              <a:r>
-                <a:rPr lang="en-US" sz="1400" b="1" i="1" dirty="0">
-                  <a:ea typeface="宋体" panose="02010600030101010101" pitchFamily="2" charset="-122"/>
-                  <a:cs typeface="Times New Roman" panose="02020603050405020304" pitchFamily="18" charset="0"/>
-                </a:rPr>
-                <a:t>and consumer</a:t>
+                <a:t>Human: big data producer and consumer</a:t>
               </a:r>
               <a:endParaRPr lang="en-US" sz="1400" dirty="0">
                 <a:ea typeface="宋体" panose="02010600030101010101" pitchFamily="2" charset="-122"/>
@@ -15691,11 +15664,6 @@
               </a:rPr>
               <a:t>As data producer</a:t>
             </a:r>
-            <a:endParaRPr lang="en-US" b="1" i="1" dirty="0">
-              <a:solidFill>
-                <a:srgbClr val="FF0000"/>
-              </a:solidFill>
-            </a:endParaRPr>
           </a:p>
         </p:txBody>
       </p:sp>
@@ -15743,7 +15711,6 @@
               <a:rPr lang="en-US" b="1" dirty="0"/>
               <a:t>Rich semantic</a:t>
             </a:r>
-            <a:endParaRPr lang="en-US" b="1" dirty="0"/>
           </a:p>
         </p:txBody>
       </p:sp>
@@ -15777,11 +15744,6 @@
               </a:rPr>
               <a:t>As knowledge consumer</a:t>
             </a:r>
-            <a:endParaRPr lang="en-US" b="1" i="1" dirty="0">
-              <a:solidFill>
-                <a:srgbClr val="FF0000"/>
-              </a:solidFill>
-            </a:endParaRPr>
           </a:p>
         </p:txBody>
       </p:sp>
@@ -15829,7 +15791,6 @@
               <a:rPr lang="en-US" b="1" dirty="0"/>
               <a:t>Diverse and dynamic</a:t>
             </a:r>
-            <a:endParaRPr lang="en-US" b="1" dirty="0"/>
           </a:p>
         </p:txBody>
       </p:sp>
@@ -18753,7 +18714,15 @@
             </a:r>
             <a:r>
               <a:rPr lang="en-US" i="1" dirty="0"/>
-              <a:t>Watson's main innovation was not in the creation of a new algorithm for this operation but rather its ability to quickly execute hundreds of proven language analysis algorithms simultaneously to find the correct answer</a:t>
+              <a:t>Watson's main innovation was not in the creation of a new algorithm for this operation but rather its ability to </a:t>
+            </a:r>
+            <a:r>
+              <a:rPr lang="en-US" b="1" i="1" dirty="0"/>
+              <a:t>quickly</a:t>
+            </a:r>
+            <a:r>
+              <a:rPr lang="en-US" i="1" dirty="0"/>
+              <a:t> execute hundreds of proven language analysis algorithms simultaneously to find the correct answer</a:t>
             </a:r>
             <a:r>
               <a:rPr lang="en-US" i="1" dirty="0" smtClean="0"/>

--- a/docs/IntroductionToTextMining.pptx
+++ b/docs/IntroductionToTextMining.pptx
@@ -12832,15 +12832,7 @@
             <a:pPr lvl="1"/>
             <a:r>
               <a:rPr lang="en-US" dirty="0" smtClean="0"/>
-              <a:t>Adding </a:t>
-            </a:r>
-            <a:r>
-              <a:rPr lang="en-US" dirty="0" smtClean="0"/>
-              <a:t>structures </a:t>
-            </a:r>
-            <a:r>
-              <a:rPr lang="en-US" dirty="0" smtClean="0"/>
-              <a:t>to the text corpus</a:t>
+              <a:t>Adding structures to the text corpus</a:t>
             </a:r>
             <a:endParaRPr lang="en-US" dirty="0"/>
           </a:p>
@@ -18775,7 +18767,11 @@
           <a:p>
             <a:r>
               <a:rPr lang="en-US" dirty="0" smtClean="0"/>
-              <a:t>Text Books</a:t>
+              <a:t>Text </a:t>
+            </a:r>
+            <a:r>
+              <a:rPr lang="en-US" dirty="0" smtClean="0"/>
+              <a:t>books</a:t>
             </a:r>
             <a:endParaRPr lang="en-US" dirty="0"/>
           </a:p>
@@ -18966,11 +18962,7 @@
           <a:p>
             <a:r>
               <a:rPr lang="en-US" sz="2400" b="1" i="1" dirty="0" smtClean="0"/>
-              <a:t>Introduction </a:t>
-            </a:r>
-            <a:r>
-              <a:rPr lang="en-US" sz="2400" b="1" i="1" dirty="0" smtClean="0"/>
-              <a:t>to Information Retrieval</a:t>
+              <a:t>Introduction to Information Retrieval</a:t>
             </a:r>
             <a:r>
               <a:rPr lang="en-US" sz="2400" dirty="0" smtClean="0"/>
@@ -21160,7 +21152,7 @@
         <p:spPr>
           <a:xfrm>
             <a:off x="1262744" y="2560638"/>
-            <a:ext cx="2362200" cy="1175657"/>
+            <a:ext cx="2362200" cy="2112962"/>
           </a:xfrm>
           <a:prstGeom prst="roundRect">
             <a:avLst/>
@@ -21205,8 +21197,8 @@
         </p:nvSpPr>
         <p:spPr>
           <a:xfrm>
-            <a:off x="4169229" y="2253343"/>
-            <a:ext cx="2481943" cy="1175657"/>
+            <a:off x="3530601" y="2278744"/>
+            <a:ext cx="3318932" cy="2064657"/>
           </a:xfrm>
           <a:prstGeom prst="roundRect">
             <a:avLst/>
@@ -21251,8 +21243,8 @@
         </p:nvSpPr>
         <p:spPr>
           <a:xfrm>
-            <a:off x="1480457" y="3854676"/>
-            <a:ext cx="7070950" cy="2208666"/>
+            <a:off x="1463524" y="4572000"/>
+            <a:ext cx="7070950" cy="1025675"/>
           </a:xfrm>
           <a:prstGeom prst="roundRect">
             <a:avLst/>

--- a/docs/IntroductionToTextMining.pptx
+++ b/docs/IntroductionToTextMining.pptx
@@ -5,7 +5,7 @@
     <p:sldMasterId id="2147483660" r:id="rId1"/>
   </p:sldMasterIdLst>
   <p:notesMasterIdLst>
-    <p:notesMasterId r:id="rId35"/>
+    <p:notesMasterId r:id="rId38"/>
   </p:notesMasterIdLst>
   <p:sldIdLst>
     <p:sldId id="256" r:id="rId2"/>
@@ -20,27 +20,30 @@
     <p:sldId id="272" r:id="rId11"/>
     <p:sldId id="274" r:id="rId12"/>
     <p:sldId id="275" r:id="rId13"/>
-    <p:sldId id="276" r:id="rId14"/>
-    <p:sldId id="259" r:id="rId15"/>
-    <p:sldId id="261" r:id="rId16"/>
-    <p:sldId id="262" r:id="rId17"/>
-    <p:sldId id="267" r:id="rId18"/>
-    <p:sldId id="260" r:id="rId19"/>
-    <p:sldId id="268" r:id="rId20"/>
-    <p:sldId id="278" r:id="rId21"/>
-    <p:sldId id="279" r:id="rId22"/>
-    <p:sldId id="280" r:id="rId23"/>
-    <p:sldId id="281" r:id="rId24"/>
-    <p:sldId id="277" r:id="rId25"/>
-    <p:sldId id="282" r:id="rId26"/>
-    <p:sldId id="283" r:id="rId27"/>
-    <p:sldId id="286" r:id="rId28"/>
-    <p:sldId id="285" r:id="rId29"/>
-    <p:sldId id="284" r:id="rId30"/>
-    <p:sldId id="288" r:id="rId31"/>
-    <p:sldId id="291" r:id="rId32"/>
-    <p:sldId id="290" r:id="rId33"/>
-    <p:sldId id="273" r:id="rId34"/>
+    <p:sldId id="293" r:id="rId14"/>
+    <p:sldId id="276" r:id="rId15"/>
+    <p:sldId id="292" r:id="rId16"/>
+    <p:sldId id="295" r:id="rId17"/>
+    <p:sldId id="259" r:id="rId18"/>
+    <p:sldId id="261" r:id="rId19"/>
+    <p:sldId id="262" r:id="rId20"/>
+    <p:sldId id="267" r:id="rId21"/>
+    <p:sldId id="260" r:id="rId22"/>
+    <p:sldId id="268" r:id="rId23"/>
+    <p:sldId id="278" r:id="rId24"/>
+    <p:sldId id="279" r:id="rId25"/>
+    <p:sldId id="280" r:id="rId26"/>
+    <p:sldId id="281" r:id="rId27"/>
+    <p:sldId id="277" r:id="rId28"/>
+    <p:sldId id="282" r:id="rId29"/>
+    <p:sldId id="283" r:id="rId30"/>
+    <p:sldId id="286" r:id="rId31"/>
+    <p:sldId id="285" r:id="rId32"/>
+    <p:sldId id="284" r:id="rId33"/>
+    <p:sldId id="288" r:id="rId34"/>
+    <p:sldId id="291" r:id="rId35"/>
+    <p:sldId id="290" r:id="rId36"/>
+    <p:sldId id="273" r:id="rId37"/>
   </p:sldIdLst>
   <p:sldSz cx="9144000" cy="6858000" type="screen4x3"/>
   <p:notesSz cx="6858000" cy="9144000"/>
@@ -240,7 +243,7 @@
           <a:p>
             <a:fld id="{E8F3E8EE-47E5-47CD-960F-A3DDD26A6F74}" type="datetimeFigureOut">
               <a:rPr lang="en-US" smtClean="0"/>
-              <a:t>1/12/2015</a:t>
+              <a:t>1/19/2016</a:t>
             </a:fld>
             <a:endParaRPr lang="en-US"/>
           </a:p>
@@ -815,7 +818,7 @@
           <a:p>
             <a:fld id="{61773FEC-8F53-4A00-803D-8420EC16EECD}" type="slidenum">
               <a:rPr lang="en-US" smtClean="0"/>
-              <a:t>15</a:t>
+              <a:t>18</a:t>
             </a:fld>
             <a:endParaRPr lang="en-US"/>
           </a:p>
@@ -899,7 +902,7 @@
           <a:p>
             <a:fld id="{61773FEC-8F53-4A00-803D-8420EC16EECD}" type="slidenum">
               <a:rPr lang="en-US" smtClean="0"/>
-              <a:t>16</a:t>
+              <a:t>19</a:t>
             </a:fld>
             <a:endParaRPr lang="en-US"/>
           </a:p>
@@ -1063,7 +1066,7 @@
                 <a:cs typeface="Arial" pitchFamily="34" charset="0"/>
               </a:rPr>
               <a:pPr/>
-              <a:t>24</a:t>
+              <a:t>27</a:t>
             </a:fld>
             <a:endParaRPr lang="en-US" smtClean="0">
               <a:cs typeface="Arial" pitchFamily="34" charset="0"/>
@@ -1303,7 +1306,7 @@
                 <a:cs typeface="Arial" pitchFamily="34" charset="0"/>
               </a:rPr>
               <a:pPr algn="r"/>
-              <a:t>24</a:t>
+              <a:t>27</a:t>
             </a:fld>
             <a:endParaRPr lang="en-US" altLang="zh-CN" sz="1200" baseline="-25000">
               <a:solidFill>
@@ -1443,7 +1446,7 @@
           <a:p>
             <a:fld id="{09F124DB-8DB6-4C32-8D03-D411A9906D18}" type="slidenum">
               <a:rPr lang="en-US" smtClean="0"/>
-              <a:t>30</a:t>
+              <a:t>33</a:t>
             </a:fld>
             <a:endParaRPr lang="en-US"/>
           </a:p>
@@ -1527,7 +1530,7 @@
           <a:p>
             <a:fld id="{61773FEC-8F53-4A00-803D-8420EC16EECD}" type="slidenum">
               <a:rPr lang="en-US" smtClean="0"/>
-              <a:t>33</a:t>
+              <a:t>36</a:t>
             </a:fld>
             <a:endParaRPr lang="en-US"/>
           </a:p>
@@ -5503,6 +5506,206 @@
           <a:p>
             <a:r>
               <a:rPr lang="en-US" dirty="0" smtClean="0"/>
+              <a:t>Restaurant/hotel recommendation</a:t>
+            </a:r>
+            <a:endParaRPr lang="en-US" dirty="0"/>
+          </a:p>
+        </p:txBody>
+      </p:sp>
+      <p:sp>
+        <p:nvSpPr>
+          <p:cNvPr id="4" name="Date Placeholder 3"/>
+          <p:cNvSpPr>
+            <a:spLocks noGrp="1"/>
+          </p:cNvSpPr>
+          <p:nvPr>
+            <p:ph type="dt" sz="half" idx="10"/>
+          </p:nvPr>
+        </p:nvSpPr>
+        <p:spPr/>
+        <p:txBody>
+          <a:bodyPr/>
+          <a:lstStyle/>
+          <a:p>
+            <a:r>
+              <a:rPr lang="en-US" smtClean="0"/>
+              <a:t>CS@UVa</a:t>
+            </a:r>
+            <a:endParaRPr lang="en-US"/>
+          </a:p>
+        </p:txBody>
+      </p:sp>
+      <p:sp>
+        <p:nvSpPr>
+          <p:cNvPr id="5" name="Footer Placeholder 4"/>
+          <p:cNvSpPr>
+            <a:spLocks noGrp="1"/>
+          </p:cNvSpPr>
+          <p:nvPr>
+            <p:ph type="ftr" sz="quarter" idx="11"/>
+          </p:nvPr>
+        </p:nvSpPr>
+        <p:spPr/>
+        <p:txBody>
+          <a:bodyPr/>
+          <a:lstStyle/>
+          <a:p>
+            <a:r>
+              <a:rPr lang="en-US" smtClean="0"/>
+              <a:t>CS6501: Text Mining</a:t>
+            </a:r>
+            <a:endParaRPr lang="en-US"/>
+          </a:p>
+        </p:txBody>
+      </p:sp>
+      <p:sp>
+        <p:nvSpPr>
+          <p:cNvPr id="6" name="Slide Number Placeholder 5"/>
+          <p:cNvSpPr>
+            <a:spLocks noGrp="1"/>
+          </p:cNvSpPr>
+          <p:nvPr>
+            <p:ph type="sldNum" sz="quarter" idx="12"/>
+          </p:nvPr>
+        </p:nvSpPr>
+        <p:spPr/>
+        <p:txBody>
+          <a:bodyPr/>
+          <a:lstStyle/>
+          <a:p>
+            <a:fld id="{78538BB7-E41F-4A0D-BDB3-6F27B6A9F586}" type="slidenum">
+              <a:rPr lang="en-US" smtClean="0"/>
+              <a:t>13</a:t>
+            </a:fld>
+            <a:endParaRPr lang="en-US"/>
+          </a:p>
+        </p:txBody>
+      </p:sp>
+      <p:pic>
+        <p:nvPicPr>
+          <p:cNvPr id="7" name="Picture 6"/>
+          <p:cNvPicPr>
+            <a:picLocks noChangeAspect="1"/>
+          </p:cNvPicPr>
+          <p:nvPr/>
+        </p:nvPicPr>
+        <p:blipFill>
+          <a:blip r:embed="rId2"/>
+          <a:stretch>
+            <a:fillRect/>
+          </a:stretch>
+        </p:blipFill>
+        <p:spPr>
+          <a:xfrm>
+            <a:off x="470068" y="2507587"/>
+            <a:ext cx="3874705" cy="3239508"/>
+          </a:xfrm>
+          <a:prstGeom prst="rect">
+            <a:avLst/>
+          </a:prstGeom>
+        </p:spPr>
+      </p:pic>
+      <p:pic>
+        <p:nvPicPr>
+          <p:cNvPr id="9" name="Picture 8"/>
+          <p:cNvPicPr>
+            <a:picLocks noChangeAspect="1"/>
+          </p:cNvPicPr>
+          <p:nvPr/>
+        </p:nvPicPr>
+        <p:blipFill>
+          <a:blip r:embed="rId3"/>
+          <a:stretch>
+            <a:fillRect/>
+          </a:stretch>
+        </p:blipFill>
+        <p:spPr>
+          <a:xfrm>
+            <a:off x="4602848" y="2507586"/>
+            <a:ext cx="4210951" cy="3219605"/>
+          </a:xfrm>
+          <a:prstGeom prst="rect">
+            <a:avLst/>
+          </a:prstGeom>
+        </p:spPr>
+      </p:pic>
+    </p:spTree>
+    <p:extLst>
+      <p:ext uri="{BB962C8B-B14F-4D97-AF65-F5344CB8AC3E}">
+        <p14:creationId xmlns:p14="http://schemas.microsoft.com/office/powerpoint/2010/main" val="2354368216"/>
+      </p:ext>
+    </p:extLst>
+  </p:cSld>
+  <p:clrMapOvr>
+    <a:masterClrMapping/>
+  </p:clrMapOvr>
+  <p:timing>
+    <p:tnLst>
+      <p:par>
+        <p:cTn id="1" dur="indefinite" restart="never" nodeType="tmRoot"/>
+      </p:par>
+    </p:tnLst>
+  </p:timing>
+</p:sld>
+</file>
+
+<file path=ppt/slides/slide14.xml><?xml version="1.0" encoding="utf-8"?>
+<p:sld xmlns:a="http://schemas.openxmlformats.org/drawingml/2006/main" xmlns:r="http://schemas.openxmlformats.org/officeDocument/2006/relationships" xmlns:p="http://schemas.openxmlformats.org/presentationml/2006/main">
+  <p:cSld>
+    <p:spTree>
+      <p:nvGrpSpPr>
+        <p:cNvPr id="1" name=""/>
+        <p:cNvGrpSpPr/>
+        <p:nvPr/>
+      </p:nvGrpSpPr>
+      <p:grpSpPr>
+        <a:xfrm>
+          <a:off x="0" y="0"/>
+          <a:ext cx="0" cy="0"/>
+          <a:chOff x="0" y="0"/>
+          <a:chExt cx="0" cy="0"/>
+        </a:xfrm>
+      </p:grpSpPr>
+      <p:sp>
+        <p:nvSpPr>
+          <p:cNvPr id="2" name="Title 1"/>
+          <p:cNvSpPr>
+            <a:spLocks noGrp="1"/>
+          </p:cNvSpPr>
+          <p:nvPr>
+            <p:ph type="title"/>
+          </p:nvPr>
+        </p:nvSpPr>
+        <p:spPr/>
+        <p:txBody>
+          <a:bodyPr/>
+          <a:lstStyle/>
+          <a:p>
+            <a:r>
+              <a:rPr lang="en-US" dirty="0" smtClean="0"/>
+              <a:t>Text mining around us</a:t>
+            </a:r>
+            <a:endParaRPr lang="en-US" dirty="0"/>
+          </a:p>
+        </p:txBody>
+      </p:sp>
+      <p:sp>
+        <p:nvSpPr>
+          <p:cNvPr id="3" name="Content Placeholder 2"/>
+          <p:cNvSpPr>
+            <a:spLocks noGrp="1"/>
+          </p:cNvSpPr>
+          <p:nvPr>
+            <p:ph idx="1"/>
+          </p:nvPr>
+        </p:nvSpPr>
+        <p:spPr/>
+        <p:txBody>
+          <a:bodyPr/>
+          <a:lstStyle/>
+          <a:p>
+            <a:r>
+              <a:rPr lang="en-US" dirty="0" smtClean="0"/>
               <a:t>News recommendation</a:t>
             </a:r>
             <a:endParaRPr lang="en-US" dirty="0"/>
@@ -5596,7 +5799,7 @@
           <a:p>
             <a:fld id="{78538BB7-E41F-4A0D-BDB3-6F27B6A9F586}" type="slidenum">
               <a:rPr lang="en-US" smtClean="0"/>
-              <a:t>13</a:t>
+              <a:t>14</a:t>
             </a:fld>
             <a:endParaRPr lang="en-US"/>
           </a:p>
@@ -5622,7 +5825,433 @@
 </p:sld>
 </file>
 
-<file path=ppt/slides/slide14.xml><?xml version="1.0" encoding="utf-8"?>
+<file path=ppt/slides/slide15.xml><?xml version="1.0" encoding="utf-8"?>
+<p:sld xmlns:a="http://schemas.openxmlformats.org/drawingml/2006/main" xmlns:r="http://schemas.openxmlformats.org/officeDocument/2006/relationships" xmlns:p="http://schemas.openxmlformats.org/presentationml/2006/main">
+  <p:cSld>
+    <p:spTree>
+      <p:nvGrpSpPr>
+        <p:cNvPr id="1" name=""/>
+        <p:cNvGrpSpPr/>
+        <p:nvPr/>
+      </p:nvGrpSpPr>
+      <p:grpSpPr>
+        <a:xfrm>
+          <a:off x="0" y="0"/>
+          <a:ext cx="0" cy="0"/>
+          <a:chOff x="0" y="0"/>
+          <a:chExt cx="0" cy="0"/>
+        </a:xfrm>
+      </p:grpSpPr>
+      <p:sp>
+        <p:nvSpPr>
+          <p:cNvPr id="2" name="Title 1"/>
+          <p:cNvSpPr>
+            <a:spLocks noGrp="1"/>
+          </p:cNvSpPr>
+          <p:nvPr>
+            <p:ph type="title"/>
+          </p:nvPr>
+        </p:nvSpPr>
+        <p:spPr/>
+        <p:txBody>
+          <a:bodyPr/>
+          <a:lstStyle/>
+          <a:p>
+            <a:r>
+              <a:rPr lang="en-US" dirty="0" smtClean="0"/>
+              <a:t>Text mining around us</a:t>
+            </a:r>
+            <a:endParaRPr lang="en-US" dirty="0"/>
+          </a:p>
+        </p:txBody>
+      </p:sp>
+      <p:sp>
+        <p:nvSpPr>
+          <p:cNvPr id="3" name="Content Placeholder 2"/>
+          <p:cNvSpPr>
+            <a:spLocks noGrp="1"/>
+          </p:cNvSpPr>
+          <p:nvPr>
+            <p:ph idx="1"/>
+          </p:nvPr>
+        </p:nvSpPr>
+        <p:spPr/>
+        <p:txBody>
+          <a:bodyPr/>
+          <a:lstStyle/>
+          <a:p>
+            <a:r>
+              <a:rPr lang="en-US" dirty="0" smtClean="0"/>
+              <a:t>Text analytics </a:t>
+            </a:r>
+            <a:r>
+              <a:rPr lang="en-US" dirty="0"/>
+              <a:t>in </a:t>
+            </a:r>
+            <a:r>
+              <a:rPr lang="en-US" dirty="0" smtClean="0"/>
+              <a:t>financial services</a:t>
+            </a:r>
+            <a:endParaRPr lang="en-US" dirty="0"/>
+          </a:p>
+        </p:txBody>
+      </p:sp>
+      <p:sp>
+        <p:nvSpPr>
+          <p:cNvPr id="4" name="Date Placeholder 3"/>
+          <p:cNvSpPr>
+            <a:spLocks noGrp="1"/>
+          </p:cNvSpPr>
+          <p:nvPr>
+            <p:ph type="dt" sz="half" idx="10"/>
+          </p:nvPr>
+        </p:nvSpPr>
+        <p:spPr/>
+        <p:txBody>
+          <a:bodyPr/>
+          <a:lstStyle/>
+          <a:p>
+            <a:r>
+              <a:rPr lang="en-US" smtClean="0"/>
+              <a:t>CS@UVa</a:t>
+            </a:r>
+            <a:endParaRPr lang="en-US"/>
+          </a:p>
+        </p:txBody>
+      </p:sp>
+      <p:sp>
+        <p:nvSpPr>
+          <p:cNvPr id="5" name="Footer Placeholder 4"/>
+          <p:cNvSpPr>
+            <a:spLocks noGrp="1"/>
+          </p:cNvSpPr>
+          <p:nvPr>
+            <p:ph type="ftr" sz="quarter" idx="11"/>
+          </p:nvPr>
+        </p:nvSpPr>
+        <p:spPr/>
+        <p:txBody>
+          <a:bodyPr/>
+          <a:lstStyle/>
+          <a:p>
+            <a:r>
+              <a:rPr lang="en-US" smtClean="0"/>
+              <a:t>CS6501: Text Mining</a:t>
+            </a:r>
+            <a:endParaRPr lang="en-US"/>
+          </a:p>
+        </p:txBody>
+      </p:sp>
+      <p:sp>
+        <p:nvSpPr>
+          <p:cNvPr id="6" name="Slide Number Placeholder 5"/>
+          <p:cNvSpPr>
+            <a:spLocks noGrp="1"/>
+          </p:cNvSpPr>
+          <p:nvPr>
+            <p:ph type="sldNum" sz="quarter" idx="12"/>
+          </p:nvPr>
+        </p:nvSpPr>
+        <p:spPr/>
+        <p:txBody>
+          <a:bodyPr/>
+          <a:lstStyle/>
+          <a:p>
+            <a:fld id="{78538BB7-E41F-4A0D-BDB3-6F27B6A9F586}" type="slidenum">
+              <a:rPr lang="en-US" smtClean="0"/>
+              <a:t>15</a:t>
+            </a:fld>
+            <a:endParaRPr lang="en-US"/>
+          </a:p>
+        </p:txBody>
+      </p:sp>
+      <p:pic>
+        <p:nvPicPr>
+          <p:cNvPr id="1026" name="Picture 2" descr="http://www.blogcdn.com/www.dailyfinance.com/media/2012/11/social-media-predictions-435cs110112.jpg"/>
+          <p:cNvPicPr>
+            <a:picLocks noChangeAspect="1" noChangeArrowheads="1"/>
+          </p:cNvPicPr>
+          <p:nvPr/>
+        </p:nvPicPr>
+        <p:blipFill>
+          <a:blip r:embed="rId2">
+            <a:extLst>
+              <a:ext uri="{28A0092B-C50C-407E-A947-70E740481C1C}">
+                <a14:useLocalDpi xmlns:a14="http://schemas.microsoft.com/office/drawing/2010/main" val="0"/>
+              </a:ext>
+            </a:extLst>
+          </a:blip>
+          <a:srcRect/>
+          <a:stretch>
+            <a:fillRect/>
+          </a:stretch>
+        </p:blipFill>
+        <p:spPr bwMode="auto">
+          <a:xfrm>
+            <a:off x="1524000" y="2824247"/>
+            <a:ext cx="5857875" cy="2924176"/>
+          </a:xfrm>
+          <a:prstGeom prst="rect">
+            <a:avLst/>
+          </a:prstGeom>
+          <a:noFill/>
+          <a:extLst>
+            <a:ext uri="{909E8E84-426E-40DD-AFC4-6F175D3DCCD1}">
+              <a14:hiddenFill xmlns:a14="http://schemas.microsoft.com/office/drawing/2010/main">
+                <a:solidFill>
+                  <a:srgbClr val="FFFFFF"/>
+                </a:solidFill>
+              </a14:hiddenFill>
+            </a:ext>
+          </a:extLst>
+        </p:spPr>
+      </p:pic>
+    </p:spTree>
+    <p:extLst>
+      <p:ext uri="{BB962C8B-B14F-4D97-AF65-F5344CB8AC3E}">
+        <p14:creationId xmlns:p14="http://schemas.microsoft.com/office/powerpoint/2010/main" val="280116213"/>
+      </p:ext>
+    </p:extLst>
+  </p:cSld>
+  <p:clrMapOvr>
+    <a:masterClrMapping/>
+  </p:clrMapOvr>
+  <p:timing>
+    <p:tnLst>
+      <p:par>
+        <p:cTn id="1" dur="indefinite" restart="never" nodeType="tmRoot"/>
+      </p:par>
+    </p:tnLst>
+  </p:timing>
+</p:sld>
+</file>
+
+<file path=ppt/slides/slide16.xml><?xml version="1.0" encoding="utf-8"?>
+<p:sld xmlns:a="http://schemas.openxmlformats.org/drawingml/2006/main" xmlns:r="http://schemas.openxmlformats.org/officeDocument/2006/relationships" xmlns:p="http://schemas.openxmlformats.org/presentationml/2006/main">
+  <p:cSld>
+    <p:spTree>
+      <p:nvGrpSpPr>
+        <p:cNvPr id="1" name=""/>
+        <p:cNvGrpSpPr/>
+        <p:nvPr/>
+      </p:nvGrpSpPr>
+      <p:grpSpPr>
+        <a:xfrm>
+          <a:off x="0" y="0"/>
+          <a:ext cx="0" cy="0"/>
+          <a:chOff x="0" y="0"/>
+          <a:chExt cx="0" cy="0"/>
+        </a:xfrm>
+      </p:grpSpPr>
+      <p:sp>
+        <p:nvSpPr>
+          <p:cNvPr id="2" name="Title 1"/>
+          <p:cNvSpPr>
+            <a:spLocks noGrp="1"/>
+          </p:cNvSpPr>
+          <p:nvPr>
+            <p:ph type="title"/>
+          </p:nvPr>
+        </p:nvSpPr>
+        <p:spPr/>
+        <p:txBody>
+          <a:bodyPr/>
+          <a:lstStyle/>
+          <a:p>
+            <a:r>
+              <a:rPr lang="en-US" dirty="0" smtClean="0"/>
+              <a:t>Text mining around us</a:t>
+            </a:r>
+            <a:endParaRPr lang="en-US" dirty="0"/>
+          </a:p>
+        </p:txBody>
+      </p:sp>
+      <p:sp>
+        <p:nvSpPr>
+          <p:cNvPr id="3" name="Content Placeholder 2"/>
+          <p:cNvSpPr>
+            <a:spLocks noGrp="1"/>
+          </p:cNvSpPr>
+          <p:nvPr>
+            <p:ph idx="1"/>
+          </p:nvPr>
+        </p:nvSpPr>
+        <p:spPr/>
+        <p:txBody>
+          <a:bodyPr/>
+          <a:lstStyle/>
+          <a:p>
+            <a:r>
+              <a:rPr lang="en-US" dirty="0" smtClean="0"/>
+              <a:t>Text analytics </a:t>
+            </a:r>
+            <a:r>
+              <a:rPr lang="en-US" dirty="0"/>
+              <a:t>in </a:t>
+            </a:r>
+            <a:r>
+              <a:rPr lang="en-US" dirty="0" smtClean="0"/>
+              <a:t>healthcare</a:t>
+            </a:r>
+            <a:endParaRPr lang="en-US" dirty="0"/>
+          </a:p>
+        </p:txBody>
+      </p:sp>
+      <p:sp>
+        <p:nvSpPr>
+          <p:cNvPr id="4" name="Date Placeholder 3"/>
+          <p:cNvSpPr>
+            <a:spLocks noGrp="1"/>
+          </p:cNvSpPr>
+          <p:nvPr>
+            <p:ph type="dt" sz="half" idx="10"/>
+          </p:nvPr>
+        </p:nvSpPr>
+        <p:spPr/>
+        <p:txBody>
+          <a:bodyPr/>
+          <a:lstStyle/>
+          <a:p>
+            <a:r>
+              <a:rPr lang="en-US" smtClean="0"/>
+              <a:t>CS@UVa</a:t>
+            </a:r>
+            <a:endParaRPr lang="en-US"/>
+          </a:p>
+        </p:txBody>
+      </p:sp>
+      <p:sp>
+        <p:nvSpPr>
+          <p:cNvPr id="5" name="Footer Placeholder 4"/>
+          <p:cNvSpPr>
+            <a:spLocks noGrp="1"/>
+          </p:cNvSpPr>
+          <p:nvPr>
+            <p:ph type="ftr" sz="quarter" idx="11"/>
+          </p:nvPr>
+        </p:nvSpPr>
+        <p:spPr/>
+        <p:txBody>
+          <a:bodyPr/>
+          <a:lstStyle/>
+          <a:p>
+            <a:r>
+              <a:rPr lang="en-US" smtClean="0"/>
+              <a:t>CS6501: Text Mining</a:t>
+            </a:r>
+            <a:endParaRPr lang="en-US"/>
+          </a:p>
+        </p:txBody>
+      </p:sp>
+      <p:sp>
+        <p:nvSpPr>
+          <p:cNvPr id="6" name="Slide Number Placeholder 5"/>
+          <p:cNvSpPr>
+            <a:spLocks noGrp="1"/>
+          </p:cNvSpPr>
+          <p:nvPr>
+            <p:ph type="sldNum" sz="quarter" idx="12"/>
+          </p:nvPr>
+        </p:nvSpPr>
+        <p:spPr/>
+        <p:txBody>
+          <a:bodyPr/>
+          <a:lstStyle/>
+          <a:p>
+            <a:fld id="{78538BB7-E41F-4A0D-BDB3-6F27B6A9F586}" type="slidenum">
+              <a:rPr lang="en-US" smtClean="0"/>
+              <a:t>16</a:t>
+            </a:fld>
+            <a:endParaRPr lang="en-US"/>
+          </a:p>
+        </p:txBody>
+      </p:sp>
+      <p:pic>
+        <p:nvPicPr>
+          <p:cNvPr id="3074" name="Picture 2" descr="http://cufon.org/CRG/memo/186538J.JPG"/>
+          <p:cNvPicPr>
+            <a:picLocks noChangeAspect="1" noChangeArrowheads="1"/>
+          </p:cNvPicPr>
+          <p:nvPr/>
+        </p:nvPicPr>
+        <p:blipFill>
+          <a:blip r:embed="rId2" cstate="print">
+            <a:extLst>
+              <a:ext uri="{28A0092B-C50C-407E-A947-70E740481C1C}">
+                <a14:useLocalDpi xmlns:a14="http://schemas.microsoft.com/office/drawing/2010/main" val="0"/>
+              </a:ext>
+            </a:extLst>
+          </a:blip>
+          <a:srcRect/>
+          <a:stretch>
+            <a:fillRect/>
+          </a:stretch>
+        </p:blipFill>
+        <p:spPr bwMode="auto">
+          <a:xfrm>
+            <a:off x="777479" y="2539715"/>
+            <a:ext cx="2852737" cy="3494948"/>
+          </a:xfrm>
+          <a:prstGeom prst="rect">
+            <a:avLst/>
+          </a:prstGeom>
+          <a:noFill/>
+          <a:extLst>
+            <a:ext uri="{909E8E84-426E-40DD-AFC4-6F175D3DCCD1}">
+              <a14:hiddenFill xmlns:a14="http://schemas.microsoft.com/office/drawing/2010/main">
+                <a:solidFill>
+                  <a:srgbClr val="FFFFFF"/>
+                </a:solidFill>
+              </a14:hiddenFill>
+            </a:ext>
+          </a:extLst>
+        </p:spPr>
+      </p:pic>
+      <p:pic>
+        <p:nvPicPr>
+          <p:cNvPr id="7" name="Picture 6"/>
+          <p:cNvPicPr>
+            <a:picLocks noChangeAspect="1"/>
+          </p:cNvPicPr>
+          <p:nvPr/>
+        </p:nvPicPr>
+        <p:blipFill>
+          <a:blip r:embed="rId3"/>
+          <a:stretch>
+            <a:fillRect/>
+          </a:stretch>
+        </p:blipFill>
+        <p:spPr>
+          <a:xfrm>
+            <a:off x="3950494" y="2539715"/>
+            <a:ext cx="4138612" cy="2965934"/>
+          </a:xfrm>
+          <a:prstGeom prst="rect">
+            <a:avLst/>
+          </a:prstGeom>
+        </p:spPr>
+      </p:pic>
+    </p:spTree>
+    <p:extLst>
+      <p:ext uri="{BB962C8B-B14F-4D97-AF65-F5344CB8AC3E}">
+        <p14:creationId xmlns:p14="http://schemas.microsoft.com/office/powerpoint/2010/main" val="877489848"/>
+      </p:ext>
+    </p:extLst>
+  </p:cSld>
+  <p:clrMapOvr>
+    <a:masterClrMapping/>
+  </p:clrMapOvr>
+  <p:timing>
+    <p:tnLst>
+      <p:par>
+        <p:cTn id="1" dur="indefinite" restart="never" nodeType="tmRoot"/>
+      </p:par>
+    </p:tnLst>
+  </p:timing>
+</p:sld>
+</file>
+
+<file path=ppt/slides/slide17.xml><?xml version="1.0" encoding="utf-8"?>
 <p:sld xmlns:a="http://schemas.openxmlformats.org/drawingml/2006/main" xmlns:r="http://schemas.openxmlformats.org/officeDocument/2006/relationships" xmlns:p="http://schemas.openxmlformats.org/presentationml/2006/main">
   <p:cSld>
     <p:spTree>
@@ -6329,7 +6958,7 @@
           <a:p>
             <a:fld id="{78538BB7-E41F-4A0D-BDB3-6F27B6A9F586}" type="slidenum">
               <a:rPr lang="en-US" smtClean="0"/>
-              <a:t>14</a:t>
+              <a:t>17</a:t>
             </a:fld>
             <a:endParaRPr lang="en-US"/>
           </a:p>
@@ -6566,7 +7195,7 @@
 </p:sld>
 </file>
 
-<file path=ppt/slides/slide15.xml><?xml version="1.0" encoding="utf-8"?>
+<file path=ppt/slides/slide18.xml><?xml version="1.0" encoding="utf-8"?>
 <p:sld xmlns:a="http://schemas.openxmlformats.org/drawingml/2006/main" xmlns:r="http://schemas.openxmlformats.org/officeDocument/2006/relationships" xmlns:p="http://schemas.openxmlformats.org/presentationml/2006/main">
   <p:cSld>
     <p:spTree>
@@ -9541,7 +10170,7 @@
           <a:p>
             <a:fld id="{78538BB7-E41F-4A0D-BDB3-6F27B6A9F586}" type="slidenum">
               <a:rPr lang="en-US" smtClean="0"/>
-              <a:t>15</a:t>
+              <a:t>18</a:t>
             </a:fld>
             <a:endParaRPr lang="en-US"/>
           </a:p>
@@ -9683,7 +10312,7 @@
 </p:sld>
 </file>
 
-<file path=ppt/slides/slide16.xml><?xml version="1.0" encoding="utf-8"?>
+<file path=ppt/slides/slide19.xml><?xml version="1.0" encoding="utf-8"?>
 <p:sld xmlns:a="http://schemas.openxmlformats.org/drawingml/2006/main" xmlns:r="http://schemas.openxmlformats.org/officeDocument/2006/relationships" xmlns:p="http://schemas.openxmlformats.org/presentationml/2006/main">
   <p:cSld>
     <p:spTree>
@@ -9791,7 +10420,7 @@
             <a:fld id="{9AF9FCE4-0043-42FF-8FEB-0F3EB0D0C0FD}" type="slidenum">
               <a:rPr lang="en-US" altLang="en-US"/>
               <a:pPr/>
-              <a:t>16</a:t>
+              <a:t>19</a:t>
             </a:fld>
             <a:endParaRPr lang="en-US" altLang="en-US"/>
           </a:p>
@@ -12448,692 +13077,6 @@
 </p:sld>
 </file>
 
-<file path=ppt/slides/slide17.xml><?xml version="1.0" encoding="utf-8"?>
-<p:sld xmlns:a="http://schemas.openxmlformats.org/drawingml/2006/main" xmlns:r="http://schemas.openxmlformats.org/officeDocument/2006/relationships" xmlns:p="http://schemas.openxmlformats.org/presentationml/2006/main">
-  <p:cSld>
-    <p:spTree>
-      <p:nvGrpSpPr>
-        <p:cNvPr id="1" name=""/>
-        <p:cNvGrpSpPr/>
-        <p:nvPr/>
-      </p:nvGrpSpPr>
-      <p:grpSpPr>
-        <a:xfrm>
-          <a:off x="0" y="0"/>
-          <a:ext cx="0" cy="0"/>
-          <a:chOff x="0" y="0"/>
-          <a:chExt cx="0" cy="0"/>
-        </a:xfrm>
-      </p:grpSpPr>
-      <p:sp>
-        <p:nvSpPr>
-          <p:cNvPr id="842754" name="Rectangle 2"/>
-          <p:cNvSpPr>
-            <a:spLocks noGrp="1" noChangeArrowheads="1"/>
-          </p:cNvSpPr>
-          <p:nvPr>
-            <p:ph type="title"/>
-          </p:nvPr>
-        </p:nvSpPr>
-        <p:spPr/>
-        <p:txBody>
-          <a:bodyPr/>
-          <a:lstStyle/>
-          <a:p>
-            <a:r>
-              <a:rPr lang="en-US" altLang="en-US" dirty="0"/>
-              <a:t>Challenges in </a:t>
-            </a:r>
-            <a:r>
-              <a:rPr lang="en-US" altLang="en-US" dirty="0" smtClean="0"/>
-              <a:t>text mining</a:t>
-            </a:r>
-            <a:endParaRPr lang="en-US" altLang="en-US" dirty="0"/>
-          </a:p>
-        </p:txBody>
-      </p:sp>
-      <p:sp>
-        <p:nvSpPr>
-          <p:cNvPr id="842755" name="Rectangle 3"/>
-          <p:cNvSpPr>
-            <a:spLocks noGrp="1" noChangeArrowheads="1"/>
-          </p:cNvSpPr>
-          <p:nvPr>
-            <p:ph idx="1"/>
-          </p:nvPr>
-        </p:nvSpPr>
-        <p:spPr/>
-        <p:txBody>
-          <a:bodyPr>
-            <a:normAutofit/>
-          </a:bodyPr>
-          <a:lstStyle/>
-          <a:p>
-            <a:r>
-              <a:rPr lang="en-US" altLang="en-US" sz="2800" dirty="0"/>
-              <a:t>Data collection is “free text”</a:t>
-            </a:r>
-          </a:p>
-          <a:p>
-            <a:pPr lvl="1"/>
-            <a:r>
-              <a:rPr lang="en-US" altLang="en-US" sz="2400" dirty="0"/>
-              <a:t>Data is not well-organized</a:t>
-            </a:r>
-          </a:p>
-          <a:p>
-            <a:pPr lvl="2"/>
-            <a:r>
-              <a:rPr lang="en-US" altLang="en-US" sz="2000" dirty="0"/>
-              <a:t>Semi-structured or unstructured</a:t>
-            </a:r>
-          </a:p>
-          <a:p>
-            <a:pPr lvl="1"/>
-            <a:r>
-              <a:rPr lang="en-US" altLang="en-US" sz="2400" dirty="0"/>
-              <a:t>Natural language text contains ambiguities on many levels </a:t>
-            </a:r>
-          </a:p>
-          <a:p>
-            <a:pPr lvl="2"/>
-            <a:r>
-              <a:rPr lang="en-US" altLang="en-US" sz="2000" dirty="0"/>
-              <a:t>Lexical, syntactic, semantic, and pragmatic</a:t>
-            </a:r>
-          </a:p>
-          <a:p>
-            <a:pPr lvl="1"/>
-            <a:r>
-              <a:rPr lang="en-US" altLang="en-US" sz="2400" dirty="0"/>
-              <a:t>Learning techniques for processing text typically need annotated training examples</a:t>
-            </a:r>
-          </a:p>
-          <a:p>
-            <a:pPr lvl="2"/>
-            <a:r>
-              <a:rPr lang="en-US" altLang="en-US" sz="2000" dirty="0" smtClean="0"/>
-              <a:t>Expensive to acquire at scale</a:t>
-            </a:r>
-            <a:endParaRPr lang="en-US" altLang="en-US" sz="2000" dirty="0"/>
-          </a:p>
-          <a:p>
-            <a:r>
-              <a:rPr lang="en-US" altLang="en-US" sz="2800" dirty="0"/>
-              <a:t>What to mine? </a:t>
-            </a:r>
-          </a:p>
-        </p:txBody>
-      </p:sp>
-      <p:sp>
-        <p:nvSpPr>
-          <p:cNvPr id="5" name="Slide Number Placeholder 3"/>
-          <p:cNvSpPr>
-            <a:spLocks noGrp="1"/>
-          </p:cNvSpPr>
-          <p:nvPr>
-            <p:ph type="sldNum" sz="quarter" idx="12"/>
-          </p:nvPr>
-        </p:nvSpPr>
-        <p:spPr/>
-        <p:txBody>
-          <a:bodyPr/>
-          <a:lstStyle/>
-          <a:p>
-            <a:fld id="{DB7A5CF8-1646-4C20-967E-A384ABBA5551}" type="slidenum">
-              <a:rPr lang="en-US" altLang="en-US"/>
-              <a:pPr/>
-              <a:t>17</a:t>
-            </a:fld>
-            <a:endParaRPr lang="en-US" altLang="en-US"/>
-          </a:p>
-        </p:txBody>
-      </p:sp>
-      <p:sp>
-        <p:nvSpPr>
-          <p:cNvPr id="2" name="Date Placeholder 1"/>
-          <p:cNvSpPr>
-            <a:spLocks noGrp="1"/>
-          </p:cNvSpPr>
-          <p:nvPr>
-            <p:ph type="dt" sz="half" idx="10"/>
-          </p:nvPr>
-        </p:nvSpPr>
-        <p:spPr/>
-        <p:txBody>
-          <a:bodyPr/>
-          <a:lstStyle/>
-          <a:p>
-            <a:r>
-              <a:rPr lang="en-US" smtClean="0"/>
-              <a:t>CS@UVa</a:t>
-            </a:r>
-            <a:endParaRPr lang="en-US"/>
-          </a:p>
-        </p:txBody>
-      </p:sp>
-      <p:sp>
-        <p:nvSpPr>
-          <p:cNvPr id="3" name="Footer Placeholder 2"/>
-          <p:cNvSpPr>
-            <a:spLocks noGrp="1"/>
-          </p:cNvSpPr>
-          <p:nvPr>
-            <p:ph type="ftr" sz="quarter" idx="11"/>
-          </p:nvPr>
-        </p:nvSpPr>
-        <p:spPr/>
-        <p:txBody>
-          <a:bodyPr/>
-          <a:lstStyle/>
-          <a:p>
-            <a:r>
-              <a:rPr lang="en-US" smtClean="0"/>
-              <a:t>CS6501: Text Mining</a:t>
-            </a:r>
-            <a:endParaRPr lang="en-US"/>
-          </a:p>
-        </p:txBody>
-      </p:sp>
-    </p:spTree>
-    <p:extLst>
-      <p:ext uri="{BB962C8B-B14F-4D97-AF65-F5344CB8AC3E}">
-        <p14:creationId xmlns:p14="http://schemas.microsoft.com/office/powerpoint/2010/main" val="4035165373"/>
-      </p:ext>
-    </p:extLst>
-  </p:cSld>
-  <p:clrMapOvr>
-    <a:masterClrMapping/>
-  </p:clrMapOvr>
-  <p:timing>
-    <p:tnLst>
-      <p:par>
-        <p:cTn id="1" dur="indefinite" restart="never" nodeType="tmRoot">
-          <p:childTnLst>
-            <p:seq concurrent="1" nextAc="seek">
-              <p:cTn id="2" dur="indefinite" nodeType="mainSeq">
-                <p:childTnLst>
-                  <p:par>
-                    <p:cTn id="3" fill="hold">
-                      <p:stCondLst>
-                        <p:cond delay="indefinite"/>
-                      </p:stCondLst>
-                      <p:childTnLst>
-                        <p:par>
-                          <p:cTn id="4" fill="hold">
-                            <p:stCondLst>
-                              <p:cond delay="0"/>
-                            </p:stCondLst>
-                            <p:childTnLst>
-                              <p:par>
-                                <p:cTn id="5" presetID="1" presetClass="entr" presetSubtype="0" fill="hold" nodeType="clickEffect">
-                                  <p:stCondLst>
-                                    <p:cond delay="0"/>
-                                  </p:stCondLst>
-                                  <p:childTnLst>
-                                    <p:set>
-                                      <p:cBhvr>
-                                        <p:cTn id="6" dur="1" fill="hold">
-                                          <p:stCondLst>
-                                            <p:cond delay="0"/>
-                                          </p:stCondLst>
-                                        </p:cTn>
-                                        <p:tgtEl>
-                                          <p:spTgt spid="842755">
-                                            <p:txEl>
-                                              <p:pRg st="7" end="7"/>
-                                            </p:txEl>
-                                          </p:spTgt>
-                                        </p:tgtEl>
-                                        <p:attrNameLst>
-                                          <p:attrName>style.visibility</p:attrName>
-                                        </p:attrNameLst>
-                                      </p:cBhvr>
-                                      <p:to>
-                                        <p:strVal val="visible"/>
-                                      </p:to>
-                                    </p:set>
-                                  </p:childTnLst>
-                                </p:cTn>
-                              </p:par>
-                            </p:childTnLst>
-                          </p:cTn>
-                        </p:par>
-                      </p:childTnLst>
-                    </p:cTn>
-                  </p:par>
-                </p:childTnLst>
-              </p:cTn>
-              <p:prevCondLst>
-                <p:cond evt="onPrev" delay="0">
-                  <p:tgtEl>
-                    <p:sldTgt/>
-                  </p:tgtEl>
-                </p:cond>
-              </p:prevCondLst>
-              <p:nextCondLst>
-                <p:cond evt="onNext" delay="0">
-                  <p:tgtEl>
-                    <p:sldTgt/>
-                  </p:tgtEl>
-                </p:cond>
-              </p:nextCondLst>
-            </p:seq>
-          </p:childTnLst>
-        </p:cTn>
-      </p:par>
-    </p:tnLst>
-  </p:timing>
-</p:sld>
-</file>
-
-<file path=ppt/slides/slide18.xml><?xml version="1.0" encoding="utf-8"?>
-<p:sld xmlns:a="http://schemas.openxmlformats.org/drawingml/2006/main" xmlns:r="http://schemas.openxmlformats.org/officeDocument/2006/relationships" xmlns:p="http://schemas.openxmlformats.org/presentationml/2006/main">
-  <p:cSld>
-    <p:spTree>
-      <p:nvGrpSpPr>
-        <p:cNvPr id="1" name=""/>
-        <p:cNvGrpSpPr/>
-        <p:nvPr/>
-      </p:nvGrpSpPr>
-      <p:grpSpPr>
-        <a:xfrm>
-          <a:off x="0" y="0"/>
-          <a:ext cx="0" cy="0"/>
-          <a:chOff x="0" y="0"/>
-          <a:chExt cx="0" cy="0"/>
-        </a:xfrm>
-      </p:grpSpPr>
-      <p:pic>
-        <p:nvPicPr>
-          <p:cNvPr id="1026" name="Picture 2" descr="This graphic is explained in the accompanying text"/>
-          <p:cNvPicPr>
-            <a:picLocks noChangeAspect="1" noChangeArrowheads="1"/>
-          </p:cNvPicPr>
-          <p:nvPr/>
-        </p:nvPicPr>
-        <p:blipFill>
-          <a:blip r:embed="rId2">
-            <a:extLst>
-              <a:ext uri="{28A0092B-C50C-407E-A947-70E740481C1C}">
-                <a14:useLocalDpi xmlns:a14="http://schemas.microsoft.com/office/drawing/2010/main" val="0"/>
-              </a:ext>
-            </a:extLst>
-          </a:blip>
-          <a:srcRect/>
-          <a:stretch>
-            <a:fillRect/>
-          </a:stretch>
-        </p:blipFill>
-        <p:spPr bwMode="auto">
-          <a:xfrm>
-            <a:off x="1988345" y="2676490"/>
-            <a:ext cx="4643437" cy="3679862"/>
-          </a:xfrm>
-          <a:prstGeom prst="rect">
-            <a:avLst/>
-          </a:prstGeom>
-          <a:noFill/>
-          <a:extLst>
-            <a:ext uri="{909E8E84-426E-40DD-AFC4-6F175D3DCCD1}">
-              <a14:hiddenFill xmlns:a14="http://schemas.microsoft.com/office/drawing/2010/main">
-                <a:solidFill>
-                  <a:srgbClr val="FFFFFF"/>
-                </a:solidFill>
-              </a14:hiddenFill>
-            </a:ext>
-          </a:extLst>
-        </p:spPr>
-      </p:pic>
-      <p:sp>
-        <p:nvSpPr>
-          <p:cNvPr id="2" name="Title 1"/>
-          <p:cNvSpPr>
-            <a:spLocks noGrp="1"/>
-          </p:cNvSpPr>
-          <p:nvPr>
-            <p:ph type="title"/>
-          </p:nvPr>
-        </p:nvSpPr>
-        <p:spPr/>
-        <p:txBody>
-          <a:bodyPr/>
-          <a:lstStyle/>
-          <a:p>
-            <a:r>
-              <a:rPr lang="en-US" dirty="0" smtClean="0"/>
-              <a:t>Text mining problems we will solve</a:t>
-            </a:r>
-            <a:endParaRPr lang="en-US" dirty="0"/>
-          </a:p>
-        </p:txBody>
-      </p:sp>
-      <p:sp>
-        <p:nvSpPr>
-          <p:cNvPr id="3" name="Content Placeholder 2"/>
-          <p:cNvSpPr>
-            <a:spLocks noGrp="1"/>
-          </p:cNvSpPr>
-          <p:nvPr>
-            <p:ph idx="1"/>
-          </p:nvPr>
-        </p:nvSpPr>
-        <p:spPr/>
-        <p:txBody>
-          <a:bodyPr/>
-          <a:lstStyle/>
-          <a:p>
-            <a:r>
-              <a:rPr lang="en-US" dirty="0" smtClean="0"/>
-              <a:t>Document categorization</a:t>
-            </a:r>
-          </a:p>
-          <a:p>
-            <a:pPr lvl="1"/>
-            <a:r>
-              <a:rPr lang="en-US" dirty="0" smtClean="0"/>
-              <a:t>Adding structures to the text corpus</a:t>
-            </a:r>
-            <a:endParaRPr lang="en-US" dirty="0"/>
-          </a:p>
-        </p:txBody>
-      </p:sp>
-      <p:sp>
-        <p:nvSpPr>
-          <p:cNvPr id="4" name="Date Placeholder 3"/>
-          <p:cNvSpPr>
-            <a:spLocks noGrp="1"/>
-          </p:cNvSpPr>
-          <p:nvPr>
-            <p:ph type="dt" sz="half" idx="10"/>
-          </p:nvPr>
-        </p:nvSpPr>
-        <p:spPr/>
-        <p:txBody>
-          <a:bodyPr/>
-          <a:lstStyle/>
-          <a:p>
-            <a:r>
-              <a:rPr lang="en-US" smtClean="0"/>
-              <a:t>CS@UVa</a:t>
-            </a:r>
-            <a:endParaRPr lang="en-US"/>
-          </a:p>
-        </p:txBody>
-      </p:sp>
-      <p:sp>
-        <p:nvSpPr>
-          <p:cNvPr id="5" name="Footer Placeholder 4"/>
-          <p:cNvSpPr>
-            <a:spLocks noGrp="1"/>
-          </p:cNvSpPr>
-          <p:nvPr>
-            <p:ph type="ftr" sz="quarter" idx="11"/>
-          </p:nvPr>
-        </p:nvSpPr>
-        <p:spPr/>
-        <p:txBody>
-          <a:bodyPr/>
-          <a:lstStyle/>
-          <a:p>
-            <a:r>
-              <a:rPr lang="en-US" smtClean="0"/>
-              <a:t>CS6501: Text Mining</a:t>
-            </a:r>
-            <a:endParaRPr lang="en-US"/>
-          </a:p>
-        </p:txBody>
-      </p:sp>
-      <p:sp>
-        <p:nvSpPr>
-          <p:cNvPr id="6" name="Slide Number Placeholder 5"/>
-          <p:cNvSpPr>
-            <a:spLocks noGrp="1"/>
-          </p:cNvSpPr>
-          <p:nvPr>
-            <p:ph type="sldNum" sz="quarter" idx="12"/>
-          </p:nvPr>
-        </p:nvSpPr>
-        <p:spPr/>
-        <p:txBody>
-          <a:bodyPr/>
-          <a:lstStyle/>
-          <a:p>
-            <a:fld id="{78538BB7-E41F-4A0D-BDB3-6F27B6A9F586}" type="slidenum">
-              <a:rPr lang="en-US" smtClean="0"/>
-              <a:t>18</a:t>
-            </a:fld>
-            <a:endParaRPr lang="en-US"/>
-          </a:p>
-        </p:txBody>
-      </p:sp>
-    </p:spTree>
-    <p:extLst>
-      <p:ext uri="{BB962C8B-B14F-4D97-AF65-F5344CB8AC3E}">
-        <p14:creationId xmlns:p14="http://schemas.microsoft.com/office/powerpoint/2010/main" val="3618454585"/>
-      </p:ext>
-    </p:extLst>
-  </p:cSld>
-  <p:clrMapOvr>
-    <a:masterClrMapping/>
-  </p:clrMapOvr>
-  <p:timing>
-    <p:tnLst>
-      <p:par>
-        <p:cTn id="1" dur="indefinite" restart="never" nodeType="tmRoot"/>
-      </p:par>
-    </p:tnLst>
-  </p:timing>
-</p:sld>
-</file>
-
-<file path=ppt/slides/slide19.xml><?xml version="1.0" encoding="utf-8"?>
-<p:sld xmlns:a="http://schemas.openxmlformats.org/drawingml/2006/main" xmlns:r="http://schemas.openxmlformats.org/officeDocument/2006/relationships" xmlns:p="http://schemas.openxmlformats.org/presentationml/2006/main">
-  <p:cSld>
-    <p:spTree>
-      <p:nvGrpSpPr>
-        <p:cNvPr id="1" name=""/>
-        <p:cNvGrpSpPr/>
-        <p:nvPr/>
-      </p:nvGrpSpPr>
-      <p:grpSpPr>
-        <a:xfrm>
-          <a:off x="0" y="0"/>
-          <a:ext cx="0" cy="0"/>
-          <a:chOff x="0" y="0"/>
-          <a:chExt cx="0" cy="0"/>
-        </a:xfrm>
-      </p:grpSpPr>
-      <p:sp>
-        <p:nvSpPr>
-          <p:cNvPr id="2" name="Title 1"/>
-          <p:cNvSpPr>
-            <a:spLocks noGrp="1"/>
-          </p:cNvSpPr>
-          <p:nvPr>
-            <p:ph type="title"/>
-          </p:nvPr>
-        </p:nvSpPr>
-        <p:spPr/>
-        <p:txBody>
-          <a:bodyPr/>
-          <a:lstStyle/>
-          <a:p>
-            <a:r>
-              <a:rPr lang="en-US" dirty="0" smtClean="0"/>
-              <a:t>Text mining problems we will solve</a:t>
-            </a:r>
-            <a:endParaRPr lang="en-US" dirty="0"/>
-          </a:p>
-        </p:txBody>
-      </p:sp>
-      <p:sp>
-        <p:nvSpPr>
-          <p:cNvPr id="3" name="Content Placeholder 2"/>
-          <p:cNvSpPr>
-            <a:spLocks noGrp="1"/>
-          </p:cNvSpPr>
-          <p:nvPr>
-            <p:ph idx="1"/>
-          </p:nvPr>
-        </p:nvSpPr>
-        <p:spPr/>
-        <p:txBody>
-          <a:bodyPr/>
-          <a:lstStyle/>
-          <a:p>
-            <a:r>
-              <a:rPr lang="en-US" dirty="0" smtClean="0"/>
-              <a:t>Text clustering</a:t>
-            </a:r>
-          </a:p>
-          <a:p>
-            <a:pPr lvl="1"/>
-            <a:r>
-              <a:rPr lang="en-US" dirty="0" smtClean="0"/>
-              <a:t>Identifying structures in the </a:t>
-            </a:r>
-            <a:r>
-              <a:rPr lang="en-US" dirty="0"/>
-              <a:t>text corpus</a:t>
-            </a:r>
-          </a:p>
-          <a:p>
-            <a:pPr lvl="1"/>
-            <a:endParaRPr lang="en-US" dirty="0"/>
-          </a:p>
-        </p:txBody>
-      </p:sp>
-      <p:pic>
-        <p:nvPicPr>
-          <p:cNvPr id="2050" name="Picture 2" descr="http://www.nature.com/nmeth/journal/v8/n6/images/nmeth.1619-F1.jpg"/>
-          <p:cNvPicPr>
-            <a:picLocks noChangeAspect="1" noChangeArrowheads="1"/>
-          </p:cNvPicPr>
-          <p:nvPr/>
-        </p:nvPicPr>
-        <p:blipFill>
-          <a:blip r:embed="rId2">
-            <a:extLst>
-              <a:ext uri="{28A0092B-C50C-407E-A947-70E740481C1C}">
-                <a14:useLocalDpi xmlns:a14="http://schemas.microsoft.com/office/drawing/2010/main" val="0"/>
-              </a:ext>
-            </a:extLst>
-          </a:blip>
-          <a:srcRect/>
-          <a:stretch>
-            <a:fillRect/>
-          </a:stretch>
-        </p:blipFill>
-        <p:spPr bwMode="auto">
-          <a:xfrm>
-            <a:off x="2307800" y="2971811"/>
-            <a:ext cx="4528399" cy="3269447"/>
-          </a:xfrm>
-          <a:prstGeom prst="rect">
-            <a:avLst/>
-          </a:prstGeom>
-          <a:noFill/>
-          <a:extLst>
-            <a:ext uri="{909E8E84-426E-40DD-AFC4-6F175D3DCCD1}">
-              <a14:hiddenFill xmlns:a14="http://schemas.microsoft.com/office/drawing/2010/main">
-                <a:solidFill>
-                  <a:srgbClr val="FFFFFF"/>
-                </a:solidFill>
-              </a14:hiddenFill>
-            </a:ext>
-          </a:extLst>
-        </p:spPr>
-      </p:pic>
-      <p:sp>
-        <p:nvSpPr>
-          <p:cNvPr id="4" name="Date Placeholder 3"/>
-          <p:cNvSpPr>
-            <a:spLocks noGrp="1"/>
-          </p:cNvSpPr>
-          <p:nvPr>
-            <p:ph type="dt" sz="half" idx="10"/>
-          </p:nvPr>
-        </p:nvSpPr>
-        <p:spPr/>
-        <p:txBody>
-          <a:bodyPr/>
-          <a:lstStyle/>
-          <a:p>
-            <a:r>
-              <a:rPr lang="en-US" smtClean="0"/>
-              <a:t>CS@UVa</a:t>
-            </a:r>
-            <a:endParaRPr lang="en-US"/>
-          </a:p>
-        </p:txBody>
-      </p:sp>
-      <p:sp>
-        <p:nvSpPr>
-          <p:cNvPr id="5" name="Footer Placeholder 4"/>
-          <p:cNvSpPr>
-            <a:spLocks noGrp="1"/>
-          </p:cNvSpPr>
-          <p:nvPr>
-            <p:ph type="ftr" sz="quarter" idx="11"/>
-          </p:nvPr>
-        </p:nvSpPr>
-        <p:spPr/>
-        <p:txBody>
-          <a:bodyPr/>
-          <a:lstStyle/>
-          <a:p>
-            <a:r>
-              <a:rPr lang="en-US" smtClean="0"/>
-              <a:t>CS6501: Text Mining</a:t>
-            </a:r>
-            <a:endParaRPr lang="en-US"/>
-          </a:p>
-        </p:txBody>
-      </p:sp>
-      <p:sp>
-        <p:nvSpPr>
-          <p:cNvPr id="6" name="Slide Number Placeholder 5"/>
-          <p:cNvSpPr>
-            <a:spLocks noGrp="1"/>
-          </p:cNvSpPr>
-          <p:nvPr>
-            <p:ph type="sldNum" sz="quarter" idx="12"/>
-          </p:nvPr>
-        </p:nvSpPr>
-        <p:spPr/>
-        <p:txBody>
-          <a:bodyPr/>
-          <a:lstStyle/>
-          <a:p>
-            <a:fld id="{78538BB7-E41F-4A0D-BDB3-6F27B6A9F586}" type="slidenum">
-              <a:rPr lang="en-US" smtClean="0"/>
-              <a:t>19</a:t>
-            </a:fld>
-            <a:endParaRPr lang="en-US"/>
-          </a:p>
-        </p:txBody>
-      </p:sp>
-    </p:spTree>
-    <p:extLst>
-      <p:ext uri="{BB962C8B-B14F-4D97-AF65-F5344CB8AC3E}">
-        <p14:creationId xmlns:p14="http://schemas.microsoft.com/office/powerpoint/2010/main" val="1027366561"/>
-      </p:ext>
-    </p:extLst>
-  </p:cSld>
-  <p:clrMapOvr>
-    <a:masterClrMapping/>
-  </p:clrMapOvr>
-  <p:timing>
-    <p:tnLst>
-      <p:par>
-        <p:cTn id="1" dur="indefinite" restart="never" nodeType="tmRoot"/>
-      </p:par>
-    </p:tnLst>
-  </p:timing>
-</p:sld>
-</file>
-
 <file path=ppt/slides/slide2.xml><?xml version="1.0" encoding="utf-8"?>
 <p:sld xmlns:a="http://schemas.openxmlformats.org/drawingml/2006/main" xmlns:r="http://schemas.openxmlformats.org/officeDocument/2006/relationships" xmlns:p="http://schemas.openxmlformats.org/presentationml/2006/main">
   <p:cSld>
@@ -13494,6 +13437,692 @@
       </p:grpSpPr>
       <p:sp>
         <p:nvSpPr>
+          <p:cNvPr id="842754" name="Rectangle 2"/>
+          <p:cNvSpPr>
+            <a:spLocks noGrp="1" noChangeArrowheads="1"/>
+          </p:cNvSpPr>
+          <p:nvPr>
+            <p:ph type="title"/>
+          </p:nvPr>
+        </p:nvSpPr>
+        <p:spPr/>
+        <p:txBody>
+          <a:bodyPr/>
+          <a:lstStyle/>
+          <a:p>
+            <a:r>
+              <a:rPr lang="en-US" altLang="en-US" dirty="0"/>
+              <a:t>Challenges in </a:t>
+            </a:r>
+            <a:r>
+              <a:rPr lang="en-US" altLang="en-US" dirty="0" smtClean="0"/>
+              <a:t>text mining</a:t>
+            </a:r>
+            <a:endParaRPr lang="en-US" altLang="en-US" dirty="0"/>
+          </a:p>
+        </p:txBody>
+      </p:sp>
+      <p:sp>
+        <p:nvSpPr>
+          <p:cNvPr id="842755" name="Rectangle 3"/>
+          <p:cNvSpPr>
+            <a:spLocks noGrp="1" noChangeArrowheads="1"/>
+          </p:cNvSpPr>
+          <p:nvPr>
+            <p:ph idx="1"/>
+          </p:nvPr>
+        </p:nvSpPr>
+        <p:spPr/>
+        <p:txBody>
+          <a:bodyPr>
+            <a:normAutofit/>
+          </a:bodyPr>
+          <a:lstStyle/>
+          <a:p>
+            <a:r>
+              <a:rPr lang="en-US" altLang="en-US" sz="2800" dirty="0"/>
+              <a:t>Data collection is “free text”</a:t>
+            </a:r>
+          </a:p>
+          <a:p>
+            <a:pPr lvl="1"/>
+            <a:r>
+              <a:rPr lang="en-US" altLang="en-US" sz="2400" dirty="0"/>
+              <a:t>Data is not well-organized</a:t>
+            </a:r>
+          </a:p>
+          <a:p>
+            <a:pPr lvl="2"/>
+            <a:r>
+              <a:rPr lang="en-US" altLang="en-US" sz="2000" dirty="0"/>
+              <a:t>Semi-structured or unstructured</a:t>
+            </a:r>
+          </a:p>
+          <a:p>
+            <a:pPr lvl="1"/>
+            <a:r>
+              <a:rPr lang="en-US" altLang="en-US" sz="2400" dirty="0"/>
+              <a:t>Natural language text contains ambiguities on many levels </a:t>
+            </a:r>
+          </a:p>
+          <a:p>
+            <a:pPr lvl="2"/>
+            <a:r>
+              <a:rPr lang="en-US" altLang="en-US" sz="2000" dirty="0"/>
+              <a:t>Lexical, syntactic, semantic, and pragmatic</a:t>
+            </a:r>
+          </a:p>
+          <a:p>
+            <a:pPr lvl="1"/>
+            <a:r>
+              <a:rPr lang="en-US" altLang="en-US" sz="2400" dirty="0"/>
+              <a:t>Learning techniques for processing text typically need annotated training examples</a:t>
+            </a:r>
+          </a:p>
+          <a:p>
+            <a:pPr lvl="2"/>
+            <a:r>
+              <a:rPr lang="en-US" altLang="en-US" sz="2000" dirty="0" smtClean="0"/>
+              <a:t>Expensive to acquire at scale</a:t>
+            </a:r>
+            <a:endParaRPr lang="en-US" altLang="en-US" sz="2000" dirty="0"/>
+          </a:p>
+          <a:p>
+            <a:r>
+              <a:rPr lang="en-US" altLang="en-US" sz="2800" dirty="0"/>
+              <a:t>What to mine? </a:t>
+            </a:r>
+          </a:p>
+        </p:txBody>
+      </p:sp>
+      <p:sp>
+        <p:nvSpPr>
+          <p:cNvPr id="5" name="Slide Number Placeholder 3"/>
+          <p:cNvSpPr>
+            <a:spLocks noGrp="1"/>
+          </p:cNvSpPr>
+          <p:nvPr>
+            <p:ph type="sldNum" sz="quarter" idx="12"/>
+          </p:nvPr>
+        </p:nvSpPr>
+        <p:spPr/>
+        <p:txBody>
+          <a:bodyPr/>
+          <a:lstStyle/>
+          <a:p>
+            <a:fld id="{DB7A5CF8-1646-4C20-967E-A384ABBA5551}" type="slidenum">
+              <a:rPr lang="en-US" altLang="en-US"/>
+              <a:pPr/>
+              <a:t>20</a:t>
+            </a:fld>
+            <a:endParaRPr lang="en-US" altLang="en-US"/>
+          </a:p>
+        </p:txBody>
+      </p:sp>
+      <p:sp>
+        <p:nvSpPr>
+          <p:cNvPr id="2" name="Date Placeholder 1"/>
+          <p:cNvSpPr>
+            <a:spLocks noGrp="1"/>
+          </p:cNvSpPr>
+          <p:nvPr>
+            <p:ph type="dt" sz="half" idx="10"/>
+          </p:nvPr>
+        </p:nvSpPr>
+        <p:spPr/>
+        <p:txBody>
+          <a:bodyPr/>
+          <a:lstStyle/>
+          <a:p>
+            <a:r>
+              <a:rPr lang="en-US" smtClean="0"/>
+              <a:t>CS@UVa</a:t>
+            </a:r>
+            <a:endParaRPr lang="en-US"/>
+          </a:p>
+        </p:txBody>
+      </p:sp>
+      <p:sp>
+        <p:nvSpPr>
+          <p:cNvPr id="3" name="Footer Placeholder 2"/>
+          <p:cNvSpPr>
+            <a:spLocks noGrp="1"/>
+          </p:cNvSpPr>
+          <p:nvPr>
+            <p:ph type="ftr" sz="quarter" idx="11"/>
+          </p:nvPr>
+        </p:nvSpPr>
+        <p:spPr/>
+        <p:txBody>
+          <a:bodyPr/>
+          <a:lstStyle/>
+          <a:p>
+            <a:r>
+              <a:rPr lang="en-US" smtClean="0"/>
+              <a:t>CS6501: Text Mining</a:t>
+            </a:r>
+            <a:endParaRPr lang="en-US"/>
+          </a:p>
+        </p:txBody>
+      </p:sp>
+    </p:spTree>
+    <p:extLst>
+      <p:ext uri="{BB962C8B-B14F-4D97-AF65-F5344CB8AC3E}">
+        <p14:creationId xmlns:p14="http://schemas.microsoft.com/office/powerpoint/2010/main" val="4035165373"/>
+      </p:ext>
+    </p:extLst>
+  </p:cSld>
+  <p:clrMapOvr>
+    <a:masterClrMapping/>
+  </p:clrMapOvr>
+  <p:timing>
+    <p:tnLst>
+      <p:par>
+        <p:cTn id="1" dur="indefinite" restart="never" nodeType="tmRoot">
+          <p:childTnLst>
+            <p:seq concurrent="1" nextAc="seek">
+              <p:cTn id="2" dur="indefinite" nodeType="mainSeq">
+                <p:childTnLst>
+                  <p:par>
+                    <p:cTn id="3" fill="hold">
+                      <p:stCondLst>
+                        <p:cond delay="indefinite"/>
+                      </p:stCondLst>
+                      <p:childTnLst>
+                        <p:par>
+                          <p:cTn id="4" fill="hold">
+                            <p:stCondLst>
+                              <p:cond delay="0"/>
+                            </p:stCondLst>
+                            <p:childTnLst>
+                              <p:par>
+                                <p:cTn id="5" presetID="1" presetClass="entr" presetSubtype="0" fill="hold" nodeType="clickEffect">
+                                  <p:stCondLst>
+                                    <p:cond delay="0"/>
+                                  </p:stCondLst>
+                                  <p:childTnLst>
+                                    <p:set>
+                                      <p:cBhvr>
+                                        <p:cTn id="6" dur="1" fill="hold">
+                                          <p:stCondLst>
+                                            <p:cond delay="0"/>
+                                          </p:stCondLst>
+                                        </p:cTn>
+                                        <p:tgtEl>
+                                          <p:spTgt spid="842755">
+                                            <p:txEl>
+                                              <p:pRg st="7" end="7"/>
+                                            </p:txEl>
+                                          </p:spTgt>
+                                        </p:tgtEl>
+                                        <p:attrNameLst>
+                                          <p:attrName>style.visibility</p:attrName>
+                                        </p:attrNameLst>
+                                      </p:cBhvr>
+                                      <p:to>
+                                        <p:strVal val="visible"/>
+                                      </p:to>
+                                    </p:set>
+                                  </p:childTnLst>
+                                </p:cTn>
+                              </p:par>
+                            </p:childTnLst>
+                          </p:cTn>
+                        </p:par>
+                      </p:childTnLst>
+                    </p:cTn>
+                  </p:par>
+                </p:childTnLst>
+              </p:cTn>
+              <p:prevCondLst>
+                <p:cond evt="onPrev" delay="0">
+                  <p:tgtEl>
+                    <p:sldTgt/>
+                  </p:tgtEl>
+                </p:cond>
+              </p:prevCondLst>
+              <p:nextCondLst>
+                <p:cond evt="onNext" delay="0">
+                  <p:tgtEl>
+                    <p:sldTgt/>
+                  </p:tgtEl>
+                </p:cond>
+              </p:nextCondLst>
+            </p:seq>
+          </p:childTnLst>
+        </p:cTn>
+      </p:par>
+    </p:tnLst>
+  </p:timing>
+</p:sld>
+</file>
+
+<file path=ppt/slides/slide21.xml><?xml version="1.0" encoding="utf-8"?>
+<p:sld xmlns:a="http://schemas.openxmlformats.org/drawingml/2006/main" xmlns:r="http://schemas.openxmlformats.org/officeDocument/2006/relationships" xmlns:p="http://schemas.openxmlformats.org/presentationml/2006/main">
+  <p:cSld>
+    <p:spTree>
+      <p:nvGrpSpPr>
+        <p:cNvPr id="1" name=""/>
+        <p:cNvGrpSpPr/>
+        <p:nvPr/>
+      </p:nvGrpSpPr>
+      <p:grpSpPr>
+        <a:xfrm>
+          <a:off x="0" y="0"/>
+          <a:ext cx="0" cy="0"/>
+          <a:chOff x="0" y="0"/>
+          <a:chExt cx="0" cy="0"/>
+        </a:xfrm>
+      </p:grpSpPr>
+      <p:pic>
+        <p:nvPicPr>
+          <p:cNvPr id="1026" name="Picture 2" descr="This graphic is explained in the accompanying text"/>
+          <p:cNvPicPr>
+            <a:picLocks noChangeAspect="1" noChangeArrowheads="1"/>
+          </p:cNvPicPr>
+          <p:nvPr/>
+        </p:nvPicPr>
+        <p:blipFill>
+          <a:blip r:embed="rId2">
+            <a:extLst>
+              <a:ext uri="{28A0092B-C50C-407E-A947-70E740481C1C}">
+                <a14:useLocalDpi xmlns:a14="http://schemas.microsoft.com/office/drawing/2010/main" val="0"/>
+              </a:ext>
+            </a:extLst>
+          </a:blip>
+          <a:srcRect/>
+          <a:stretch>
+            <a:fillRect/>
+          </a:stretch>
+        </p:blipFill>
+        <p:spPr bwMode="auto">
+          <a:xfrm>
+            <a:off x="1988345" y="2676490"/>
+            <a:ext cx="4643437" cy="3679862"/>
+          </a:xfrm>
+          <a:prstGeom prst="rect">
+            <a:avLst/>
+          </a:prstGeom>
+          <a:noFill/>
+          <a:extLst>
+            <a:ext uri="{909E8E84-426E-40DD-AFC4-6F175D3DCCD1}">
+              <a14:hiddenFill xmlns:a14="http://schemas.microsoft.com/office/drawing/2010/main">
+                <a:solidFill>
+                  <a:srgbClr val="FFFFFF"/>
+                </a:solidFill>
+              </a14:hiddenFill>
+            </a:ext>
+          </a:extLst>
+        </p:spPr>
+      </p:pic>
+      <p:sp>
+        <p:nvSpPr>
+          <p:cNvPr id="2" name="Title 1"/>
+          <p:cNvSpPr>
+            <a:spLocks noGrp="1"/>
+          </p:cNvSpPr>
+          <p:nvPr>
+            <p:ph type="title"/>
+          </p:nvPr>
+        </p:nvSpPr>
+        <p:spPr/>
+        <p:txBody>
+          <a:bodyPr/>
+          <a:lstStyle/>
+          <a:p>
+            <a:r>
+              <a:rPr lang="en-US" dirty="0" smtClean="0"/>
+              <a:t>Text mining problems we will solve</a:t>
+            </a:r>
+            <a:endParaRPr lang="en-US" dirty="0"/>
+          </a:p>
+        </p:txBody>
+      </p:sp>
+      <p:sp>
+        <p:nvSpPr>
+          <p:cNvPr id="3" name="Content Placeholder 2"/>
+          <p:cNvSpPr>
+            <a:spLocks noGrp="1"/>
+          </p:cNvSpPr>
+          <p:nvPr>
+            <p:ph idx="1"/>
+          </p:nvPr>
+        </p:nvSpPr>
+        <p:spPr/>
+        <p:txBody>
+          <a:bodyPr/>
+          <a:lstStyle/>
+          <a:p>
+            <a:r>
+              <a:rPr lang="en-US" dirty="0" smtClean="0"/>
+              <a:t>Document categorization</a:t>
+            </a:r>
+          </a:p>
+          <a:p>
+            <a:pPr lvl="1"/>
+            <a:r>
+              <a:rPr lang="en-US" dirty="0" smtClean="0"/>
+              <a:t>Adding structures to the text corpus</a:t>
+            </a:r>
+            <a:endParaRPr lang="en-US" dirty="0"/>
+          </a:p>
+        </p:txBody>
+      </p:sp>
+      <p:sp>
+        <p:nvSpPr>
+          <p:cNvPr id="4" name="Date Placeholder 3"/>
+          <p:cNvSpPr>
+            <a:spLocks noGrp="1"/>
+          </p:cNvSpPr>
+          <p:nvPr>
+            <p:ph type="dt" sz="half" idx="10"/>
+          </p:nvPr>
+        </p:nvSpPr>
+        <p:spPr/>
+        <p:txBody>
+          <a:bodyPr/>
+          <a:lstStyle/>
+          <a:p>
+            <a:r>
+              <a:rPr lang="en-US" smtClean="0"/>
+              <a:t>CS@UVa</a:t>
+            </a:r>
+            <a:endParaRPr lang="en-US"/>
+          </a:p>
+        </p:txBody>
+      </p:sp>
+      <p:sp>
+        <p:nvSpPr>
+          <p:cNvPr id="5" name="Footer Placeholder 4"/>
+          <p:cNvSpPr>
+            <a:spLocks noGrp="1"/>
+          </p:cNvSpPr>
+          <p:nvPr>
+            <p:ph type="ftr" sz="quarter" idx="11"/>
+          </p:nvPr>
+        </p:nvSpPr>
+        <p:spPr/>
+        <p:txBody>
+          <a:bodyPr/>
+          <a:lstStyle/>
+          <a:p>
+            <a:r>
+              <a:rPr lang="en-US" smtClean="0"/>
+              <a:t>CS6501: Text Mining</a:t>
+            </a:r>
+            <a:endParaRPr lang="en-US"/>
+          </a:p>
+        </p:txBody>
+      </p:sp>
+      <p:sp>
+        <p:nvSpPr>
+          <p:cNvPr id="6" name="Slide Number Placeholder 5"/>
+          <p:cNvSpPr>
+            <a:spLocks noGrp="1"/>
+          </p:cNvSpPr>
+          <p:nvPr>
+            <p:ph type="sldNum" sz="quarter" idx="12"/>
+          </p:nvPr>
+        </p:nvSpPr>
+        <p:spPr/>
+        <p:txBody>
+          <a:bodyPr/>
+          <a:lstStyle/>
+          <a:p>
+            <a:fld id="{78538BB7-E41F-4A0D-BDB3-6F27B6A9F586}" type="slidenum">
+              <a:rPr lang="en-US" smtClean="0"/>
+              <a:t>21</a:t>
+            </a:fld>
+            <a:endParaRPr lang="en-US"/>
+          </a:p>
+        </p:txBody>
+      </p:sp>
+    </p:spTree>
+    <p:extLst>
+      <p:ext uri="{BB962C8B-B14F-4D97-AF65-F5344CB8AC3E}">
+        <p14:creationId xmlns:p14="http://schemas.microsoft.com/office/powerpoint/2010/main" val="3618454585"/>
+      </p:ext>
+    </p:extLst>
+  </p:cSld>
+  <p:clrMapOvr>
+    <a:masterClrMapping/>
+  </p:clrMapOvr>
+  <p:timing>
+    <p:tnLst>
+      <p:par>
+        <p:cTn id="1" dur="indefinite" restart="never" nodeType="tmRoot"/>
+      </p:par>
+    </p:tnLst>
+  </p:timing>
+</p:sld>
+</file>
+
+<file path=ppt/slides/slide22.xml><?xml version="1.0" encoding="utf-8"?>
+<p:sld xmlns:a="http://schemas.openxmlformats.org/drawingml/2006/main" xmlns:r="http://schemas.openxmlformats.org/officeDocument/2006/relationships" xmlns:p="http://schemas.openxmlformats.org/presentationml/2006/main">
+  <p:cSld>
+    <p:spTree>
+      <p:nvGrpSpPr>
+        <p:cNvPr id="1" name=""/>
+        <p:cNvGrpSpPr/>
+        <p:nvPr/>
+      </p:nvGrpSpPr>
+      <p:grpSpPr>
+        <a:xfrm>
+          <a:off x="0" y="0"/>
+          <a:ext cx="0" cy="0"/>
+          <a:chOff x="0" y="0"/>
+          <a:chExt cx="0" cy="0"/>
+        </a:xfrm>
+      </p:grpSpPr>
+      <p:sp>
+        <p:nvSpPr>
+          <p:cNvPr id="2" name="Title 1"/>
+          <p:cNvSpPr>
+            <a:spLocks noGrp="1"/>
+          </p:cNvSpPr>
+          <p:nvPr>
+            <p:ph type="title"/>
+          </p:nvPr>
+        </p:nvSpPr>
+        <p:spPr/>
+        <p:txBody>
+          <a:bodyPr/>
+          <a:lstStyle/>
+          <a:p>
+            <a:r>
+              <a:rPr lang="en-US" dirty="0" smtClean="0"/>
+              <a:t>Text mining problems we will solve</a:t>
+            </a:r>
+            <a:endParaRPr lang="en-US" dirty="0"/>
+          </a:p>
+        </p:txBody>
+      </p:sp>
+      <p:sp>
+        <p:nvSpPr>
+          <p:cNvPr id="3" name="Content Placeholder 2"/>
+          <p:cNvSpPr>
+            <a:spLocks noGrp="1"/>
+          </p:cNvSpPr>
+          <p:nvPr>
+            <p:ph idx="1"/>
+          </p:nvPr>
+        </p:nvSpPr>
+        <p:spPr/>
+        <p:txBody>
+          <a:bodyPr/>
+          <a:lstStyle/>
+          <a:p>
+            <a:r>
+              <a:rPr lang="en-US" dirty="0" smtClean="0"/>
+              <a:t>Text clustering</a:t>
+            </a:r>
+          </a:p>
+          <a:p>
+            <a:pPr lvl="1"/>
+            <a:r>
+              <a:rPr lang="en-US" dirty="0" smtClean="0"/>
+              <a:t>Identifying structures in the </a:t>
+            </a:r>
+            <a:r>
+              <a:rPr lang="en-US" dirty="0"/>
+              <a:t>text corpus</a:t>
+            </a:r>
+          </a:p>
+          <a:p>
+            <a:pPr lvl="1"/>
+            <a:endParaRPr lang="en-US" dirty="0"/>
+          </a:p>
+        </p:txBody>
+      </p:sp>
+      <p:pic>
+        <p:nvPicPr>
+          <p:cNvPr id="2050" name="Picture 2" descr="http://www.nature.com/nmeth/journal/v8/n6/images/nmeth.1619-F1.jpg"/>
+          <p:cNvPicPr>
+            <a:picLocks noChangeAspect="1" noChangeArrowheads="1"/>
+          </p:cNvPicPr>
+          <p:nvPr/>
+        </p:nvPicPr>
+        <p:blipFill>
+          <a:blip r:embed="rId2">
+            <a:extLst>
+              <a:ext uri="{28A0092B-C50C-407E-A947-70E740481C1C}">
+                <a14:useLocalDpi xmlns:a14="http://schemas.microsoft.com/office/drawing/2010/main" val="0"/>
+              </a:ext>
+            </a:extLst>
+          </a:blip>
+          <a:srcRect/>
+          <a:stretch>
+            <a:fillRect/>
+          </a:stretch>
+        </p:blipFill>
+        <p:spPr bwMode="auto">
+          <a:xfrm>
+            <a:off x="2307800" y="2971811"/>
+            <a:ext cx="4528399" cy="3269447"/>
+          </a:xfrm>
+          <a:prstGeom prst="rect">
+            <a:avLst/>
+          </a:prstGeom>
+          <a:noFill/>
+          <a:extLst>
+            <a:ext uri="{909E8E84-426E-40DD-AFC4-6F175D3DCCD1}">
+              <a14:hiddenFill xmlns:a14="http://schemas.microsoft.com/office/drawing/2010/main">
+                <a:solidFill>
+                  <a:srgbClr val="FFFFFF"/>
+                </a:solidFill>
+              </a14:hiddenFill>
+            </a:ext>
+          </a:extLst>
+        </p:spPr>
+      </p:pic>
+      <p:sp>
+        <p:nvSpPr>
+          <p:cNvPr id="4" name="Date Placeholder 3"/>
+          <p:cNvSpPr>
+            <a:spLocks noGrp="1"/>
+          </p:cNvSpPr>
+          <p:nvPr>
+            <p:ph type="dt" sz="half" idx="10"/>
+          </p:nvPr>
+        </p:nvSpPr>
+        <p:spPr/>
+        <p:txBody>
+          <a:bodyPr/>
+          <a:lstStyle/>
+          <a:p>
+            <a:r>
+              <a:rPr lang="en-US" smtClean="0"/>
+              <a:t>CS@UVa</a:t>
+            </a:r>
+            <a:endParaRPr lang="en-US"/>
+          </a:p>
+        </p:txBody>
+      </p:sp>
+      <p:sp>
+        <p:nvSpPr>
+          <p:cNvPr id="5" name="Footer Placeholder 4"/>
+          <p:cNvSpPr>
+            <a:spLocks noGrp="1"/>
+          </p:cNvSpPr>
+          <p:nvPr>
+            <p:ph type="ftr" sz="quarter" idx="11"/>
+          </p:nvPr>
+        </p:nvSpPr>
+        <p:spPr/>
+        <p:txBody>
+          <a:bodyPr/>
+          <a:lstStyle/>
+          <a:p>
+            <a:r>
+              <a:rPr lang="en-US" smtClean="0"/>
+              <a:t>CS6501: Text Mining</a:t>
+            </a:r>
+            <a:endParaRPr lang="en-US"/>
+          </a:p>
+        </p:txBody>
+      </p:sp>
+      <p:sp>
+        <p:nvSpPr>
+          <p:cNvPr id="6" name="Slide Number Placeholder 5"/>
+          <p:cNvSpPr>
+            <a:spLocks noGrp="1"/>
+          </p:cNvSpPr>
+          <p:nvPr>
+            <p:ph type="sldNum" sz="quarter" idx="12"/>
+          </p:nvPr>
+        </p:nvSpPr>
+        <p:spPr/>
+        <p:txBody>
+          <a:bodyPr/>
+          <a:lstStyle/>
+          <a:p>
+            <a:fld id="{78538BB7-E41F-4A0D-BDB3-6F27B6A9F586}" type="slidenum">
+              <a:rPr lang="en-US" smtClean="0"/>
+              <a:t>22</a:t>
+            </a:fld>
+            <a:endParaRPr lang="en-US"/>
+          </a:p>
+        </p:txBody>
+      </p:sp>
+    </p:spTree>
+    <p:extLst>
+      <p:ext uri="{BB962C8B-B14F-4D97-AF65-F5344CB8AC3E}">
+        <p14:creationId xmlns:p14="http://schemas.microsoft.com/office/powerpoint/2010/main" val="1027366561"/>
+      </p:ext>
+    </p:extLst>
+  </p:cSld>
+  <p:clrMapOvr>
+    <a:masterClrMapping/>
+  </p:clrMapOvr>
+  <p:timing>
+    <p:tnLst>
+      <p:par>
+        <p:cTn id="1" dur="indefinite" restart="never" nodeType="tmRoot"/>
+      </p:par>
+    </p:tnLst>
+  </p:timing>
+</p:sld>
+</file>
+
+<file path=ppt/slides/slide23.xml><?xml version="1.0" encoding="utf-8"?>
+<p:sld xmlns:a="http://schemas.openxmlformats.org/drawingml/2006/main" xmlns:r="http://schemas.openxmlformats.org/officeDocument/2006/relationships" xmlns:p="http://schemas.openxmlformats.org/presentationml/2006/main">
+  <p:cSld>
+    <p:spTree>
+      <p:nvGrpSpPr>
+        <p:cNvPr id="1" name=""/>
+        <p:cNvGrpSpPr/>
+        <p:nvPr/>
+      </p:nvGrpSpPr>
+      <p:grpSpPr>
+        <a:xfrm>
+          <a:off x="0" y="0"/>
+          <a:ext cx="0" cy="0"/>
+          <a:chOff x="0" y="0"/>
+          <a:chExt cx="0" cy="0"/>
+        </a:xfrm>
+      </p:grpSpPr>
+      <p:sp>
+        <p:nvSpPr>
           <p:cNvPr id="2" name="Title 1"/>
           <p:cNvSpPr>
             <a:spLocks noGrp="1"/>
@@ -13651,7 +14280,7 @@
           <a:p>
             <a:fld id="{78538BB7-E41F-4A0D-BDB3-6F27B6A9F586}" type="slidenum">
               <a:rPr lang="en-US" smtClean="0"/>
-              <a:t>20</a:t>
+              <a:t>23</a:t>
             </a:fld>
             <a:endParaRPr lang="en-US"/>
           </a:p>
@@ -13677,7 +14306,7 @@
 </p:sld>
 </file>
 
-<file path=ppt/slides/slide21.xml><?xml version="1.0" encoding="utf-8"?>
+<file path=ppt/slides/slide24.xml><?xml version="1.0" encoding="utf-8"?>
 <p:sld xmlns:a="http://schemas.openxmlformats.org/drawingml/2006/main" xmlns:r="http://schemas.openxmlformats.org/officeDocument/2006/relationships" xmlns:p="http://schemas.openxmlformats.org/presentationml/2006/main">
   <p:cSld>
     <p:spTree>
@@ -13869,7 +14498,7 @@
           <a:p>
             <a:fld id="{78538BB7-E41F-4A0D-BDB3-6F27B6A9F586}" type="slidenum">
               <a:rPr lang="en-US" smtClean="0"/>
-              <a:t>21</a:t>
+              <a:t>24</a:t>
             </a:fld>
             <a:endParaRPr lang="en-US"/>
           </a:p>
@@ -13895,7 +14524,7 @@
 </p:sld>
 </file>
 
-<file path=ppt/slides/slide22.xml><?xml version="1.0" encoding="utf-8"?>
+<file path=ppt/slides/slide25.xml><?xml version="1.0" encoding="utf-8"?>
 <p:sld xmlns:a="http://schemas.openxmlformats.org/drawingml/2006/main" xmlns:r="http://schemas.openxmlformats.org/officeDocument/2006/relationships" xmlns:p="http://schemas.openxmlformats.org/presentationml/2006/main">
   <p:cSld>
     <p:spTree>
@@ -14131,7 +14760,7 @@
           <a:p>
             <a:fld id="{78538BB7-E41F-4A0D-BDB3-6F27B6A9F586}" type="slidenum">
               <a:rPr lang="en-US" smtClean="0"/>
-              <a:t>22</a:t>
+              <a:t>25</a:t>
             </a:fld>
             <a:endParaRPr lang="en-US"/>
           </a:p>
@@ -14474,7 +15103,7 @@
 </p:sld>
 </file>
 
-<file path=ppt/slides/slide23.xml><?xml version="1.0" encoding="utf-8"?>
+<file path=ppt/slides/slide26.xml><?xml version="1.0" encoding="utf-8"?>
 <p:sld xmlns:a="http://schemas.openxmlformats.org/drawingml/2006/main" xmlns:r="http://schemas.openxmlformats.org/officeDocument/2006/relationships" xmlns:p="http://schemas.openxmlformats.org/presentationml/2006/main">
   <p:cSld>
     <p:spTree>
@@ -14558,8 +15187,13 @@
             <a:pPr lvl="2"/>
             <a:r>
               <a:rPr lang="en-US" dirty="0" smtClean="0"/>
-              <a:t>K-Means, hierarchical clustering</a:t>
-            </a:r>
+              <a:t>K-Means, hierarchical </a:t>
+            </a:r>
+            <a:r>
+              <a:rPr lang="en-US" dirty="0" smtClean="0"/>
+              <a:t>clustering, topic models</a:t>
+            </a:r>
+            <a:endParaRPr lang="en-US" dirty="0" smtClean="0"/>
           </a:p>
           <a:p>
             <a:pPr lvl="1"/>
@@ -14641,7 +15275,7 @@
           <a:p>
             <a:fld id="{78538BB7-E41F-4A0D-BDB3-6F27B6A9F586}" type="slidenum">
               <a:rPr lang="en-US" smtClean="0"/>
-              <a:t>23</a:t>
+              <a:t>26</a:t>
             </a:fld>
             <a:endParaRPr lang="en-US"/>
           </a:p>
@@ -14930,7 +15564,7 @@
 </p:sld>
 </file>
 
-<file path=ppt/slides/slide24.xml><?xml version="1.0" encoding="utf-8"?>
+<file path=ppt/slides/slide27.xml><?xml version="1.0" encoding="utf-8"?>
 <p:sld xmlns:a="http://schemas.openxmlformats.org/drawingml/2006/main" xmlns:r="http://schemas.openxmlformats.org/officeDocument/2006/relationships" xmlns:p="http://schemas.openxmlformats.org/presentationml/2006/main">
   <p:cSld>
     <p:spTree>
@@ -15307,7 +15941,7 @@
           <a:p>
             <a:fld id="{78538BB7-E41F-4A0D-BDB3-6F27B6A9F586}" type="slidenum">
               <a:rPr lang="en-US" smtClean="0"/>
-              <a:t>24</a:t>
+              <a:t>27</a:t>
             </a:fld>
             <a:endParaRPr lang="en-US"/>
           </a:p>
@@ -15506,7 +16140,7 @@
 </p:sld>
 </file>
 
-<file path=ppt/slides/slide25.xml><?xml version="1.0" encoding="utf-8"?>
+<file path=ppt/slides/slide28.xml><?xml version="1.0" encoding="utf-8"?>
 <p:sld xmlns:a="http://schemas.openxmlformats.org/drawingml/2006/main" xmlns:r="http://schemas.openxmlformats.org/officeDocument/2006/relationships" xmlns:p="http://schemas.openxmlformats.org/presentationml/2006/main">
   <p:cSld>
     <p:spTree>
@@ -15684,7 +16318,7 @@
           <a:p>
             <a:fld id="{78538BB7-E41F-4A0D-BDB3-6F27B6A9F586}" type="slidenum">
               <a:rPr lang="en-US" smtClean="0"/>
-              <a:t>25</a:t>
+              <a:t>28</a:t>
             </a:fld>
             <a:endParaRPr lang="en-US"/>
           </a:p>
@@ -15694,690 +16328,6 @@
     <p:extLst>
       <p:ext uri="{BB962C8B-B14F-4D97-AF65-F5344CB8AC3E}">
         <p14:creationId xmlns:p14="http://schemas.microsoft.com/office/powerpoint/2010/main" val="627368327"/>
-      </p:ext>
-    </p:extLst>
-  </p:cSld>
-  <p:clrMapOvr>
-    <a:masterClrMapping/>
-  </p:clrMapOvr>
-  <p:timing>
-    <p:tnLst>
-      <p:par>
-        <p:cTn id="1" dur="indefinite" restart="never" nodeType="tmRoot"/>
-      </p:par>
-    </p:tnLst>
-  </p:timing>
-</p:sld>
-</file>
-
-<file path=ppt/slides/slide26.xml><?xml version="1.0" encoding="utf-8"?>
-<p:sld xmlns:a="http://schemas.openxmlformats.org/drawingml/2006/main" xmlns:r="http://schemas.openxmlformats.org/officeDocument/2006/relationships" xmlns:p="http://schemas.openxmlformats.org/presentationml/2006/main">
-  <p:cSld>
-    <p:spTree>
-      <p:nvGrpSpPr>
-        <p:cNvPr id="1" name=""/>
-        <p:cNvGrpSpPr/>
-        <p:nvPr/>
-      </p:nvGrpSpPr>
-      <p:grpSpPr>
-        <a:xfrm>
-          <a:off x="0" y="0"/>
-          <a:ext cx="0" cy="0"/>
-          <a:chOff x="0" y="0"/>
-          <a:chExt cx="0" cy="0"/>
-        </a:xfrm>
-      </p:grpSpPr>
-      <p:sp>
-        <p:nvSpPr>
-          <p:cNvPr id="2" name="Title 1"/>
-          <p:cNvSpPr>
-            <a:spLocks noGrp="1"/>
-          </p:cNvSpPr>
-          <p:nvPr>
-            <p:ph type="title"/>
-          </p:nvPr>
-        </p:nvSpPr>
-        <p:spPr/>
-        <p:txBody>
-          <a:bodyPr/>
-          <a:lstStyle/>
-          <a:p>
-            <a:r>
-              <a:rPr lang="en-US" dirty="0" smtClean="0"/>
-              <a:t>State-of-the-art solutions</a:t>
-            </a:r>
-            <a:endParaRPr lang="en-US" dirty="0"/>
-          </a:p>
-        </p:txBody>
-      </p:sp>
-      <p:sp>
-        <p:nvSpPr>
-          <p:cNvPr id="3" name="Content Placeholder 2"/>
-          <p:cNvSpPr>
-            <a:spLocks noGrp="1"/>
-          </p:cNvSpPr>
-          <p:nvPr>
-            <p:ph idx="1"/>
-          </p:nvPr>
-        </p:nvSpPr>
-        <p:spPr/>
-        <p:txBody>
-          <a:bodyPr/>
-          <a:lstStyle/>
-          <a:p>
-            <a:pPr marL="342900" lvl="1" indent="-342900">
-              <a:buFont typeface="Arial" panose="020B0604020202020204" pitchFamily="34" charset="0"/>
-              <a:buChar char="•"/>
-            </a:pPr>
-            <a:r>
-              <a:rPr lang="en-US" dirty="0"/>
-              <a:t>Apache Spark </a:t>
-            </a:r>
-            <a:r>
-              <a:rPr lang="en-US" dirty="0" smtClean="0"/>
-              <a:t>(</a:t>
-            </a:r>
-            <a:r>
-              <a:rPr lang="en-US" dirty="0" smtClean="0">
-                <a:hlinkClick r:id="rId2"/>
-              </a:rPr>
-              <a:t>spark.apache.org</a:t>
-            </a:r>
-            <a:r>
-              <a:rPr lang="en-US" dirty="0"/>
-              <a:t>)</a:t>
-            </a:r>
-          </a:p>
-          <a:p>
-            <a:pPr lvl="1"/>
-            <a:r>
-              <a:rPr lang="en-US" dirty="0" smtClean="0"/>
-              <a:t>In-memory </a:t>
-            </a:r>
-            <a:r>
-              <a:rPr lang="en-US" dirty="0" err="1" smtClean="0"/>
-              <a:t>MapReduce</a:t>
-            </a:r>
-            <a:endParaRPr lang="en-US" dirty="0" smtClean="0"/>
-          </a:p>
-          <a:p>
-            <a:pPr lvl="2"/>
-            <a:r>
-              <a:rPr lang="en-US" dirty="0" smtClean="0"/>
-              <a:t>Specialized for machine learning algorithms</a:t>
-            </a:r>
-          </a:p>
-          <a:p>
-            <a:pPr lvl="1"/>
-            <a:r>
-              <a:rPr lang="en-US" dirty="0" smtClean="0"/>
-              <a:t>Speed</a:t>
-            </a:r>
-          </a:p>
-          <a:p>
-            <a:pPr lvl="2"/>
-            <a:r>
-              <a:rPr lang="en-US" dirty="0"/>
-              <a:t>100x faster than Hadoop </a:t>
-            </a:r>
-            <a:r>
-              <a:rPr lang="en-US" dirty="0" err="1"/>
-              <a:t>MapReduce</a:t>
-            </a:r>
-            <a:r>
-              <a:rPr lang="en-US" dirty="0"/>
-              <a:t> in memory, or 10x faster on disk</a:t>
-            </a:r>
-            <a:r>
-              <a:rPr lang="en-US" dirty="0" smtClean="0"/>
-              <a:t>.</a:t>
-            </a:r>
-          </a:p>
-        </p:txBody>
-      </p:sp>
-      <p:pic>
-        <p:nvPicPr>
-          <p:cNvPr id="4" name="Picture 3"/>
-          <p:cNvPicPr>
-            <a:picLocks noChangeAspect="1"/>
-          </p:cNvPicPr>
-          <p:nvPr/>
-        </p:nvPicPr>
-        <p:blipFill>
-          <a:blip r:embed="rId3"/>
-          <a:stretch>
-            <a:fillRect/>
-          </a:stretch>
-        </p:blipFill>
-        <p:spPr>
-          <a:xfrm>
-            <a:off x="3077117" y="4398840"/>
-            <a:ext cx="3425196" cy="2295874"/>
-          </a:xfrm>
-          <a:prstGeom prst="rect">
-            <a:avLst/>
-          </a:prstGeom>
-        </p:spPr>
-      </p:pic>
-      <p:sp>
-        <p:nvSpPr>
-          <p:cNvPr id="5" name="Date Placeholder 4"/>
-          <p:cNvSpPr>
-            <a:spLocks noGrp="1"/>
-          </p:cNvSpPr>
-          <p:nvPr>
-            <p:ph type="dt" sz="half" idx="10"/>
-          </p:nvPr>
-        </p:nvSpPr>
-        <p:spPr/>
-        <p:txBody>
-          <a:bodyPr/>
-          <a:lstStyle/>
-          <a:p>
-            <a:r>
-              <a:rPr lang="en-US" smtClean="0"/>
-              <a:t>CS@UVa</a:t>
-            </a:r>
-            <a:endParaRPr lang="en-US"/>
-          </a:p>
-        </p:txBody>
-      </p:sp>
-      <p:sp>
-        <p:nvSpPr>
-          <p:cNvPr id="6" name="Footer Placeholder 5"/>
-          <p:cNvSpPr>
-            <a:spLocks noGrp="1"/>
-          </p:cNvSpPr>
-          <p:nvPr>
-            <p:ph type="ftr" sz="quarter" idx="11"/>
-          </p:nvPr>
-        </p:nvSpPr>
-        <p:spPr/>
-        <p:txBody>
-          <a:bodyPr/>
-          <a:lstStyle/>
-          <a:p>
-            <a:r>
-              <a:rPr lang="en-US" smtClean="0"/>
-              <a:t>CS6501: Text Mining</a:t>
-            </a:r>
-            <a:endParaRPr lang="en-US"/>
-          </a:p>
-        </p:txBody>
-      </p:sp>
-      <p:sp>
-        <p:nvSpPr>
-          <p:cNvPr id="7" name="Slide Number Placeholder 6"/>
-          <p:cNvSpPr>
-            <a:spLocks noGrp="1"/>
-          </p:cNvSpPr>
-          <p:nvPr>
-            <p:ph type="sldNum" sz="quarter" idx="12"/>
-          </p:nvPr>
-        </p:nvSpPr>
-        <p:spPr/>
-        <p:txBody>
-          <a:bodyPr/>
-          <a:lstStyle/>
-          <a:p>
-            <a:fld id="{78538BB7-E41F-4A0D-BDB3-6F27B6A9F586}" type="slidenum">
-              <a:rPr lang="en-US" smtClean="0"/>
-              <a:t>26</a:t>
-            </a:fld>
-            <a:endParaRPr lang="en-US"/>
-          </a:p>
-        </p:txBody>
-      </p:sp>
-    </p:spTree>
-    <p:extLst>
-      <p:ext uri="{BB962C8B-B14F-4D97-AF65-F5344CB8AC3E}">
-        <p14:creationId xmlns:p14="http://schemas.microsoft.com/office/powerpoint/2010/main" val="1364957172"/>
-      </p:ext>
-    </p:extLst>
-  </p:cSld>
-  <p:clrMapOvr>
-    <a:masterClrMapping/>
-  </p:clrMapOvr>
-  <p:timing>
-    <p:tnLst>
-      <p:par>
-        <p:cTn id="1" dur="indefinite" restart="never" nodeType="tmRoot"/>
-      </p:par>
-    </p:tnLst>
-  </p:timing>
-</p:sld>
-</file>
-
-<file path=ppt/slides/slide27.xml><?xml version="1.0" encoding="utf-8"?>
-<p:sld xmlns:a="http://schemas.openxmlformats.org/drawingml/2006/main" xmlns:r="http://schemas.openxmlformats.org/officeDocument/2006/relationships" xmlns:p="http://schemas.openxmlformats.org/presentationml/2006/main">
-  <p:cSld>
-    <p:spTree>
-      <p:nvGrpSpPr>
-        <p:cNvPr id="1" name=""/>
-        <p:cNvGrpSpPr/>
-        <p:nvPr/>
-      </p:nvGrpSpPr>
-      <p:grpSpPr>
-        <a:xfrm>
-          <a:off x="0" y="0"/>
-          <a:ext cx="0" cy="0"/>
-          <a:chOff x="0" y="0"/>
-          <a:chExt cx="0" cy="0"/>
-        </a:xfrm>
-      </p:grpSpPr>
-      <p:sp>
-        <p:nvSpPr>
-          <p:cNvPr id="2" name="Title 1"/>
-          <p:cNvSpPr>
-            <a:spLocks noGrp="1"/>
-          </p:cNvSpPr>
-          <p:nvPr>
-            <p:ph type="title"/>
-          </p:nvPr>
-        </p:nvSpPr>
-        <p:spPr/>
-        <p:txBody>
-          <a:bodyPr/>
-          <a:lstStyle/>
-          <a:p>
-            <a:r>
-              <a:rPr lang="en-US" dirty="0" smtClean="0"/>
-              <a:t>State-of-the-art solutions</a:t>
-            </a:r>
-            <a:endParaRPr lang="en-US" dirty="0"/>
-          </a:p>
-        </p:txBody>
-      </p:sp>
-      <p:sp>
-        <p:nvSpPr>
-          <p:cNvPr id="3" name="Content Placeholder 2"/>
-          <p:cNvSpPr>
-            <a:spLocks noGrp="1"/>
-          </p:cNvSpPr>
-          <p:nvPr>
-            <p:ph idx="1"/>
-          </p:nvPr>
-        </p:nvSpPr>
-        <p:spPr/>
-        <p:txBody>
-          <a:bodyPr/>
-          <a:lstStyle/>
-          <a:p>
-            <a:pPr marL="342900" lvl="1" indent="-342900">
-              <a:buFont typeface="Arial" panose="020B0604020202020204" pitchFamily="34" charset="0"/>
-              <a:buChar char="•"/>
-            </a:pPr>
-            <a:r>
-              <a:rPr lang="en-US" dirty="0"/>
-              <a:t>Apache Spark </a:t>
-            </a:r>
-            <a:r>
-              <a:rPr lang="en-US" dirty="0" smtClean="0"/>
-              <a:t>(</a:t>
-            </a:r>
-            <a:r>
-              <a:rPr lang="en-US" dirty="0" smtClean="0">
-                <a:hlinkClick r:id="rId2"/>
-              </a:rPr>
-              <a:t>spark.apache.org</a:t>
-            </a:r>
-            <a:r>
-              <a:rPr lang="en-US" dirty="0"/>
-              <a:t>)</a:t>
-            </a:r>
-          </a:p>
-          <a:p>
-            <a:pPr lvl="1"/>
-            <a:r>
-              <a:rPr lang="en-US" dirty="0" smtClean="0"/>
-              <a:t>In-memory </a:t>
-            </a:r>
-            <a:r>
-              <a:rPr lang="en-US" dirty="0" err="1" smtClean="0"/>
-              <a:t>MapReduce</a:t>
-            </a:r>
-            <a:endParaRPr lang="en-US" dirty="0" smtClean="0"/>
-          </a:p>
-          <a:p>
-            <a:pPr lvl="2"/>
-            <a:r>
-              <a:rPr lang="en-US" dirty="0" smtClean="0"/>
-              <a:t>Specialized for machine learning algorithms</a:t>
-            </a:r>
-          </a:p>
-          <a:p>
-            <a:pPr lvl="1"/>
-            <a:r>
-              <a:rPr lang="en-US" dirty="0" smtClean="0"/>
-              <a:t>Generality</a:t>
-            </a:r>
-          </a:p>
-          <a:p>
-            <a:pPr lvl="2"/>
-            <a:r>
-              <a:rPr lang="en-US" dirty="0"/>
-              <a:t>Combine SQL, streaming, and complex analytics</a:t>
-            </a:r>
-          </a:p>
-        </p:txBody>
-      </p:sp>
-      <p:pic>
-        <p:nvPicPr>
-          <p:cNvPr id="5" name="Picture 4"/>
-          <p:cNvPicPr>
-            <a:picLocks noChangeAspect="1"/>
-          </p:cNvPicPr>
-          <p:nvPr/>
-        </p:nvPicPr>
-        <p:blipFill>
-          <a:blip r:embed="rId3"/>
-          <a:stretch>
-            <a:fillRect/>
-          </a:stretch>
-        </p:blipFill>
-        <p:spPr>
-          <a:xfrm>
-            <a:off x="2541466" y="4243389"/>
-            <a:ext cx="4061068" cy="1963740"/>
-          </a:xfrm>
-          <a:prstGeom prst="rect">
-            <a:avLst/>
-          </a:prstGeom>
-        </p:spPr>
-      </p:pic>
-      <p:sp>
-        <p:nvSpPr>
-          <p:cNvPr id="4" name="Date Placeholder 3"/>
-          <p:cNvSpPr>
-            <a:spLocks noGrp="1"/>
-          </p:cNvSpPr>
-          <p:nvPr>
-            <p:ph type="dt" sz="half" idx="10"/>
-          </p:nvPr>
-        </p:nvSpPr>
-        <p:spPr/>
-        <p:txBody>
-          <a:bodyPr/>
-          <a:lstStyle/>
-          <a:p>
-            <a:r>
-              <a:rPr lang="en-US" smtClean="0"/>
-              <a:t>CS@UVa</a:t>
-            </a:r>
-            <a:endParaRPr lang="en-US"/>
-          </a:p>
-        </p:txBody>
-      </p:sp>
-      <p:sp>
-        <p:nvSpPr>
-          <p:cNvPr id="6" name="Footer Placeholder 5"/>
-          <p:cNvSpPr>
-            <a:spLocks noGrp="1"/>
-          </p:cNvSpPr>
-          <p:nvPr>
-            <p:ph type="ftr" sz="quarter" idx="11"/>
-          </p:nvPr>
-        </p:nvSpPr>
-        <p:spPr/>
-        <p:txBody>
-          <a:bodyPr/>
-          <a:lstStyle/>
-          <a:p>
-            <a:r>
-              <a:rPr lang="en-US" smtClean="0"/>
-              <a:t>CS6501: Text Mining</a:t>
-            </a:r>
-            <a:endParaRPr lang="en-US"/>
-          </a:p>
-        </p:txBody>
-      </p:sp>
-      <p:sp>
-        <p:nvSpPr>
-          <p:cNvPr id="7" name="Slide Number Placeholder 6"/>
-          <p:cNvSpPr>
-            <a:spLocks noGrp="1"/>
-          </p:cNvSpPr>
-          <p:nvPr>
-            <p:ph type="sldNum" sz="quarter" idx="12"/>
-          </p:nvPr>
-        </p:nvSpPr>
-        <p:spPr/>
-        <p:txBody>
-          <a:bodyPr/>
-          <a:lstStyle/>
-          <a:p>
-            <a:fld id="{78538BB7-E41F-4A0D-BDB3-6F27B6A9F586}" type="slidenum">
-              <a:rPr lang="en-US" smtClean="0"/>
-              <a:t>27</a:t>
-            </a:fld>
-            <a:endParaRPr lang="en-US"/>
-          </a:p>
-        </p:txBody>
-      </p:sp>
-    </p:spTree>
-    <p:extLst>
-      <p:ext uri="{BB962C8B-B14F-4D97-AF65-F5344CB8AC3E}">
-        <p14:creationId xmlns:p14="http://schemas.microsoft.com/office/powerpoint/2010/main" val="1294991909"/>
-      </p:ext>
-    </p:extLst>
-  </p:cSld>
-  <p:clrMapOvr>
-    <a:masterClrMapping/>
-  </p:clrMapOvr>
-  <p:timing>
-    <p:tnLst>
-      <p:par>
-        <p:cTn id="1" dur="indefinite" restart="never" nodeType="tmRoot"/>
-      </p:par>
-    </p:tnLst>
-  </p:timing>
-</p:sld>
-</file>
-
-<file path=ppt/slides/slide28.xml><?xml version="1.0" encoding="utf-8"?>
-<p:sld xmlns:a="http://schemas.openxmlformats.org/drawingml/2006/main" xmlns:r="http://schemas.openxmlformats.org/officeDocument/2006/relationships" xmlns:p="http://schemas.openxmlformats.org/presentationml/2006/main">
-  <p:cSld>
-    <p:spTree>
-      <p:nvGrpSpPr>
-        <p:cNvPr id="1" name=""/>
-        <p:cNvGrpSpPr/>
-        <p:nvPr/>
-      </p:nvGrpSpPr>
-      <p:grpSpPr>
-        <a:xfrm>
-          <a:off x="0" y="0"/>
-          <a:ext cx="0" cy="0"/>
-          <a:chOff x="0" y="0"/>
-          <a:chExt cx="0" cy="0"/>
-        </a:xfrm>
-      </p:grpSpPr>
-      <p:sp>
-        <p:nvSpPr>
-          <p:cNvPr id="2" name="Title 1"/>
-          <p:cNvSpPr>
-            <a:spLocks noGrp="1"/>
-          </p:cNvSpPr>
-          <p:nvPr>
-            <p:ph type="title"/>
-          </p:nvPr>
-        </p:nvSpPr>
-        <p:spPr/>
-        <p:txBody>
-          <a:bodyPr/>
-          <a:lstStyle/>
-          <a:p>
-            <a:r>
-              <a:rPr lang="en-US" dirty="0"/>
-              <a:t>State-of-the-art solutions</a:t>
-            </a:r>
-          </a:p>
-        </p:txBody>
-      </p:sp>
-      <p:sp>
-        <p:nvSpPr>
-          <p:cNvPr id="3" name="Content Placeholder 2"/>
-          <p:cNvSpPr>
-            <a:spLocks noGrp="1"/>
-          </p:cNvSpPr>
-          <p:nvPr>
-            <p:ph idx="1"/>
-          </p:nvPr>
-        </p:nvSpPr>
-        <p:spPr/>
-        <p:txBody>
-          <a:bodyPr/>
-          <a:lstStyle/>
-          <a:p>
-            <a:r>
-              <a:rPr lang="en-US" dirty="0" err="1" smtClean="0"/>
-              <a:t>GraphLab</a:t>
-            </a:r>
-            <a:r>
-              <a:rPr lang="en-US" dirty="0"/>
-              <a:t> </a:t>
-            </a:r>
-            <a:r>
-              <a:rPr lang="en-US" dirty="0" smtClean="0"/>
-              <a:t>(</a:t>
-            </a:r>
-            <a:r>
-              <a:rPr lang="en-US" dirty="0" smtClean="0">
-                <a:hlinkClick r:id="rId2"/>
-              </a:rPr>
-              <a:t>graphlab.com</a:t>
-            </a:r>
-            <a:r>
-              <a:rPr lang="en-US" dirty="0" smtClean="0"/>
-              <a:t>)</a:t>
-            </a:r>
-          </a:p>
-          <a:p>
-            <a:pPr lvl="1"/>
-            <a:r>
-              <a:rPr lang="en-US" dirty="0" smtClean="0"/>
-              <a:t>Graph-based</a:t>
-            </a:r>
-            <a:r>
-              <a:rPr lang="en-US" dirty="0"/>
-              <a:t>, high performance, distributed computation framework</a:t>
-            </a:r>
-          </a:p>
-        </p:txBody>
-      </p:sp>
-      <p:pic>
-        <p:nvPicPr>
-          <p:cNvPr id="12290" name="Picture 2" descr="GraphLab Create™ product architecture"/>
-          <p:cNvPicPr>
-            <a:picLocks noChangeAspect="1" noChangeArrowheads="1"/>
-          </p:cNvPicPr>
-          <p:nvPr/>
-        </p:nvPicPr>
-        <p:blipFill>
-          <a:blip r:embed="rId3">
-            <a:extLst>
-              <a:ext uri="{28A0092B-C50C-407E-A947-70E740481C1C}">
-                <a14:useLocalDpi xmlns:a14="http://schemas.microsoft.com/office/drawing/2010/main" val="0"/>
-              </a:ext>
-            </a:extLst>
-          </a:blip>
-          <a:srcRect/>
-          <a:stretch>
-            <a:fillRect/>
-          </a:stretch>
-        </p:blipFill>
-        <p:spPr bwMode="auto">
-          <a:xfrm>
-            <a:off x="1687286" y="3156005"/>
-            <a:ext cx="5310868" cy="3571366"/>
-          </a:xfrm>
-          <a:prstGeom prst="rect">
-            <a:avLst/>
-          </a:prstGeom>
-          <a:noFill/>
-          <a:extLst>
-            <a:ext uri="{909E8E84-426E-40DD-AFC4-6F175D3DCCD1}">
-              <a14:hiddenFill xmlns:a14="http://schemas.microsoft.com/office/drawing/2010/main">
-                <a:solidFill>
-                  <a:srgbClr val="FFFFFF"/>
-                </a:solidFill>
-              </a14:hiddenFill>
-            </a:ext>
-          </a:extLst>
-        </p:spPr>
-      </p:pic>
-      <p:sp>
-        <p:nvSpPr>
-          <p:cNvPr id="4" name="Date Placeholder 3"/>
-          <p:cNvSpPr>
-            <a:spLocks noGrp="1"/>
-          </p:cNvSpPr>
-          <p:nvPr>
-            <p:ph type="dt" sz="half" idx="10"/>
-          </p:nvPr>
-        </p:nvSpPr>
-        <p:spPr/>
-        <p:txBody>
-          <a:bodyPr/>
-          <a:lstStyle/>
-          <a:p>
-            <a:r>
-              <a:rPr lang="en-US" smtClean="0"/>
-              <a:t>CS@UVa</a:t>
-            </a:r>
-            <a:endParaRPr lang="en-US"/>
-          </a:p>
-        </p:txBody>
-      </p:sp>
-      <p:sp>
-        <p:nvSpPr>
-          <p:cNvPr id="5" name="Footer Placeholder 4"/>
-          <p:cNvSpPr>
-            <a:spLocks noGrp="1"/>
-          </p:cNvSpPr>
-          <p:nvPr>
-            <p:ph type="ftr" sz="quarter" idx="11"/>
-          </p:nvPr>
-        </p:nvSpPr>
-        <p:spPr/>
-        <p:txBody>
-          <a:bodyPr/>
-          <a:lstStyle/>
-          <a:p>
-            <a:r>
-              <a:rPr lang="en-US" smtClean="0"/>
-              <a:t>CS6501: Text Mining</a:t>
-            </a:r>
-            <a:endParaRPr lang="en-US"/>
-          </a:p>
-        </p:txBody>
-      </p:sp>
-      <p:sp>
-        <p:nvSpPr>
-          <p:cNvPr id="6" name="Slide Number Placeholder 5"/>
-          <p:cNvSpPr>
-            <a:spLocks noGrp="1"/>
-          </p:cNvSpPr>
-          <p:nvPr>
-            <p:ph type="sldNum" sz="quarter" idx="12"/>
-          </p:nvPr>
-        </p:nvSpPr>
-        <p:spPr/>
-        <p:txBody>
-          <a:bodyPr/>
-          <a:lstStyle/>
-          <a:p>
-            <a:fld id="{78538BB7-E41F-4A0D-BDB3-6F27B6A9F586}" type="slidenum">
-              <a:rPr lang="en-US" smtClean="0"/>
-              <a:t>28</a:t>
-            </a:fld>
-            <a:endParaRPr lang="en-US"/>
-          </a:p>
-        </p:txBody>
-      </p:sp>
-    </p:spTree>
-    <p:extLst>
-      <p:ext uri="{BB962C8B-B14F-4D97-AF65-F5344CB8AC3E}">
-        <p14:creationId xmlns:p14="http://schemas.microsoft.com/office/powerpoint/2010/main" val="3469604917"/>
       </p:ext>
     </p:extLst>
   </p:cSld>
@@ -16427,34 +16377,35 @@
           <a:lstStyle/>
           <a:p>
             <a:r>
+              <a:rPr lang="en-US" dirty="0" smtClean="0"/>
+              <a:t>State-of-the-art solutions</a:t>
+            </a:r>
+            <a:endParaRPr lang="en-US" dirty="0"/>
+          </a:p>
+        </p:txBody>
+      </p:sp>
+      <p:sp>
+        <p:nvSpPr>
+          <p:cNvPr id="3" name="Content Placeholder 2"/>
+          <p:cNvSpPr>
+            <a:spLocks noGrp="1"/>
+          </p:cNvSpPr>
+          <p:nvPr>
+            <p:ph idx="1"/>
+          </p:nvPr>
+        </p:nvSpPr>
+        <p:spPr/>
+        <p:txBody>
+          <a:bodyPr/>
+          <a:lstStyle/>
+          <a:p>
+            <a:pPr marL="342900" lvl="1" indent="-342900">
+              <a:buFont typeface="Arial" panose="020B0604020202020204" pitchFamily="34" charset="0"/>
+              <a:buChar char="•"/>
+            </a:pPr>
+            <a:r>
               <a:rPr lang="en-US" dirty="0"/>
-              <a:t>State-of-the-art solutions</a:t>
-            </a:r>
-          </a:p>
-        </p:txBody>
-      </p:sp>
-      <p:sp>
-        <p:nvSpPr>
-          <p:cNvPr id="3" name="Content Placeholder 2"/>
-          <p:cNvSpPr>
-            <a:spLocks noGrp="1"/>
-          </p:cNvSpPr>
-          <p:nvPr>
-            <p:ph idx="1"/>
-          </p:nvPr>
-        </p:nvSpPr>
-        <p:spPr/>
-        <p:txBody>
-          <a:bodyPr/>
-          <a:lstStyle/>
-          <a:p>
-            <a:r>
-              <a:rPr lang="en-US" dirty="0" err="1" smtClean="0"/>
-              <a:t>GraphLab</a:t>
-            </a:r>
-            <a:r>
-              <a:rPr lang="en-US" dirty="0"/>
-              <a:t> </a:t>
+              <a:t>Apache Spark </a:t>
             </a:r>
             <a:r>
               <a:rPr lang="en-US" dirty="0" smtClean="0"/>
@@ -16464,74 +16415,87 @@
               <a:rPr lang="en-US" dirty="0" smtClean="0">
                 <a:hlinkClick r:id="rId2"/>
               </a:rPr>
-              <a:t>graphlab.com</a:t>
-            </a:r>
+              <a:t>spark.apache.org</a:t>
+            </a:r>
+            <a:r>
+              <a:rPr lang="en-US" dirty="0"/>
+              <a:t>)</a:t>
+            </a:r>
+          </a:p>
+          <a:p>
+            <a:pPr lvl="1"/>
             <a:r>
               <a:rPr lang="en-US" dirty="0" smtClean="0"/>
-              <a:t>)</a:t>
+              <a:t>In-memory </a:t>
+            </a:r>
+            <a:r>
+              <a:rPr lang="en-US" dirty="0" err="1" smtClean="0"/>
+              <a:t>MapReduce</a:t>
+            </a:r>
+            <a:endParaRPr lang="en-US" dirty="0" smtClean="0"/>
+          </a:p>
+          <a:p>
+            <a:pPr lvl="2"/>
+            <a:r>
+              <a:rPr lang="en-US" dirty="0" smtClean="0"/>
+              <a:t>Specialized for machine learning algorithms</a:t>
             </a:r>
           </a:p>
           <a:p>
             <a:pPr lvl="1"/>
             <a:r>
               <a:rPr lang="en-US" dirty="0" smtClean="0"/>
-              <a:t>Specialized for sparse </a:t>
-            </a:r>
+              <a:t>Speed</a:t>
+            </a:r>
+          </a:p>
+          <a:p>
+            <a:pPr lvl="2"/>
             <a:r>
               <a:rPr lang="en-US" dirty="0"/>
-              <a:t>data with local dependencies for iterative algorithms</a:t>
-            </a:r>
-          </a:p>
-          <a:p>
-            <a:pPr lvl="1"/>
-            <a:endParaRPr lang="en-US" dirty="0"/>
+              <a:t>100x faster than Hadoop </a:t>
+            </a:r>
+            <a:r>
+              <a:rPr lang="en-US" dirty="0" err="1"/>
+              <a:t>MapReduce</a:t>
+            </a:r>
+            <a:r>
+              <a:rPr lang="en-US" dirty="0"/>
+              <a:t> in memory, or 10x faster on disk</a:t>
+            </a:r>
+            <a:r>
+              <a:rPr lang="en-US" dirty="0" smtClean="0"/>
+              <a:t>.</a:t>
+            </a:r>
           </a:p>
         </p:txBody>
       </p:sp>
       <p:pic>
         <p:nvPicPr>
-          <p:cNvPr id="11266" name="Picture 2" descr="GraphLab Create™ logistic regression speed and accurcy benchmark"/>
+          <p:cNvPr id="4" name="Picture 3"/>
           <p:cNvPicPr>
-            <a:picLocks noChangeAspect="1" noChangeArrowheads="1"/>
+            <a:picLocks noChangeAspect="1"/>
           </p:cNvPicPr>
           <p:nvPr/>
         </p:nvPicPr>
         <p:blipFill>
-          <a:blip r:embed="rId3">
-            <a:extLst>
-              <a:ext uri="{28A0092B-C50C-407E-A947-70E740481C1C}">
-                <a14:useLocalDpi xmlns:a14="http://schemas.microsoft.com/office/drawing/2010/main" val="0"/>
-              </a:ext>
-            </a:extLst>
-          </a:blip>
-          <a:srcRect/>
+          <a:blip r:embed="rId3"/>
           <a:stretch>
             <a:fillRect/>
           </a:stretch>
         </p:blipFill>
-        <p:spPr bwMode="auto">
+        <p:spPr>
           <a:xfrm>
-            <a:off x="2175576" y="3368460"/>
-            <a:ext cx="4792847" cy="2940269"/>
+            <a:off x="2968411" y="4297840"/>
+            <a:ext cx="3207178" cy="2149739"/>
           </a:xfrm>
           <a:prstGeom prst="rect">
             <a:avLst/>
           </a:prstGeom>
-          <a:noFill/>
-          <a:extLst>
-            <a:ext uri="{909E8E84-426E-40DD-AFC4-6F175D3DCCD1}">
-              <a14:hiddenFill xmlns:a14="http://schemas.microsoft.com/office/drawing/2010/main">
-                <a:solidFill>
-                  <a:srgbClr val="FFFFFF"/>
-                </a:solidFill>
-              </a14:hiddenFill>
-            </a:ext>
-          </a:extLst>
         </p:spPr>
       </p:pic>
       <p:sp>
         <p:nvSpPr>
-          <p:cNvPr id="4" name="Date Placeholder 3"/>
+          <p:cNvPr id="5" name="Date Placeholder 4"/>
           <p:cNvSpPr>
             <a:spLocks noGrp="1"/>
           </p:cNvSpPr>
@@ -16554,7 +16518,7 @@
       </p:sp>
       <p:sp>
         <p:nvSpPr>
-          <p:cNvPr id="5" name="Footer Placeholder 4"/>
+          <p:cNvPr id="6" name="Footer Placeholder 5"/>
           <p:cNvSpPr>
             <a:spLocks noGrp="1"/>
           </p:cNvSpPr>
@@ -16577,7 +16541,7 @@
       </p:sp>
       <p:sp>
         <p:nvSpPr>
-          <p:cNvPr id="6" name="Slide Number Placeholder 5"/>
+          <p:cNvPr id="7" name="Slide Number Placeholder 6"/>
           <p:cNvSpPr>
             <a:spLocks noGrp="1"/>
           </p:cNvSpPr>
@@ -16601,7 +16565,7 @@
     </p:spTree>
     <p:extLst>
       <p:ext uri="{BB962C8B-B14F-4D97-AF65-F5344CB8AC3E}">
-        <p14:creationId xmlns:p14="http://schemas.microsoft.com/office/powerpoint/2010/main" val="3488456964"/>
+        <p14:creationId xmlns:p14="http://schemas.microsoft.com/office/powerpoint/2010/main" val="1364957172"/>
       </p:ext>
     </p:extLst>
   </p:cSld>
@@ -17058,6 +17022,676 @@
         </p:nvSpPr>
         <p:spPr/>
         <p:txBody>
+          <a:bodyPr/>
+          <a:lstStyle/>
+          <a:p>
+            <a:r>
+              <a:rPr lang="en-US" dirty="0" smtClean="0"/>
+              <a:t>State-of-the-art solutions</a:t>
+            </a:r>
+            <a:endParaRPr lang="en-US" dirty="0"/>
+          </a:p>
+        </p:txBody>
+      </p:sp>
+      <p:sp>
+        <p:nvSpPr>
+          <p:cNvPr id="3" name="Content Placeholder 2"/>
+          <p:cNvSpPr>
+            <a:spLocks noGrp="1"/>
+          </p:cNvSpPr>
+          <p:nvPr>
+            <p:ph idx="1"/>
+          </p:nvPr>
+        </p:nvSpPr>
+        <p:spPr/>
+        <p:txBody>
+          <a:bodyPr/>
+          <a:lstStyle/>
+          <a:p>
+            <a:pPr marL="342900" lvl="1" indent="-342900">
+              <a:buFont typeface="Arial" panose="020B0604020202020204" pitchFamily="34" charset="0"/>
+              <a:buChar char="•"/>
+            </a:pPr>
+            <a:r>
+              <a:rPr lang="en-US" dirty="0"/>
+              <a:t>Apache Spark </a:t>
+            </a:r>
+            <a:r>
+              <a:rPr lang="en-US" dirty="0" smtClean="0"/>
+              <a:t>(</a:t>
+            </a:r>
+            <a:r>
+              <a:rPr lang="en-US" dirty="0" smtClean="0">
+                <a:hlinkClick r:id="rId2"/>
+              </a:rPr>
+              <a:t>spark.apache.org</a:t>
+            </a:r>
+            <a:r>
+              <a:rPr lang="en-US" dirty="0"/>
+              <a:t>)</a:t>
+            </a:r>
+          </a:p>
+          <a:p>
+            <a:pPr lvl="1"/>
+            <a:r>
+              <a:rPr lang="en-US" dirty="0" smtClean="0"/>
+              <a:t>In-memory </a:t>
+            </a:r>
+            <a:r>
+              <a:rPr lang="en-US" dirty="0" err="1" smtClean="0"/>
+              <a:t>MapReduce</a:t>
+            </a:r>
+            <a:endParaRPr lang="en-US" dirty="0" smtClean="0"/>
+          </a:p>
+          <a:p>
+            <a:pPr lvl="2"/>
+            <a:r>
+              <a:rPr lang="en-US" dirty="0" smtClean="0"/>
+              <a:t>Specialized for machine learning algorithms</a:t>
+            </a:r>
+          </a:p>
+          <a:p>
+            <a:pPr lvl="1"/>
+            <a:r>
+              <a:rPr lang="en-US" dirty="0" smtClean="0"/>
+              <a:t>Generality</a:t>
+            </a:r>
+          </a:p>
+          <a:p>
+            <a:pPr lvl="2"/>
+            <a:r>
+              <a:rPr lang="en-US" dirty="0"/>
+              <a:t>Combine SQL, streaming, and complex analytics</a:t>
+            </a:r>
+          </a:p>
+        </p:txBody>
+      </p:sp>
+      <p:pic>
+        <p:nvPicPr>
+          <p:cNvPr id="5" name="Picture 4"/>
+          <p:cNvPicPr>
+            <a:picLocks noChangeAspect="1"/>
+          </p:cNvPicPr>
+          <p:nvPr/>
+        </p:nvPicPr>
+        <p:blipFill>
+          <a:blip r:embed="rId3"/>
+          <a:stretch>
+            <a:fillRect/>
+          </a:stretch>
+        </p:blipFill>
+        <p:spPr>
+          <a:xfrm>
+            <a:off x="2541466" y="4243389"/>
+            <a:ext cx="4061068" cy="1963740"/>
+          </a:xfrm>
+          <a:prstGeom prst="rect">
+            <a:avLst/>
+          </a:prstGeom>
+        </p:spPr>
+      </p:pic>
+      <p:sp>
+        <p:nvSpPr>
+          <p:cNvPr id="4" name="Date Placeholder 3"/>
+          <p:cNvSpPr>
+            <a:spLocks noGrp="1"/>
+          </p:cNvSpPr>
+          <p:nvPr>
+            <p:ph type="dt" sz="half" idx="10"/>
+          </p:nvPr>
+        </p:nvSpPr>
+        <p:spPr/>
+        <p:txBody>
+          <a:bodyPr/>
+          <a:lstStyle/>
+          <a:p>
+            <a:r>
+              <a:rPr lang="en-US" smtClean="0"/>
+              <a:t>CS@UVa</a:t>
+            </a:r>
+            <a:endParaRPr lang="en-US"/>
+          </a:p>
+        </p:txBody>
+      </p:sp>
+      <p:sp>
+        <p:nvSpPr>
+          <p:cNvPr id="6" name="Footer Placeholder 5"/>
+          <p:cNvSpPr>
+            <a:spLocks noGrp="1"/>
+          </p:cNvSpPr>
+          <p:nvPr>
+            <p:ph type="ftr" sz="quarter" idx="11"/>
+          </p:nvPr>
+        </p:nvSpPr>
+        <p:spPr/>
+        <p:txBody>
+          <a:bodyPr/>
+          <a:lstStyle/>
+          <a:p>
+            <a:r>
+              <a:rPr lang="en-US" smtClean="0"/>
+              <a:t>CS6501: Text Mining</a:t>
+            </a:r>
+            <a:endParaRPr lang="en-US"/>
+          </a:p>
+        </p:txBody>
+      </p:sp>
+      <p:sp>
+        <p:nvSpPr>
+          <p:cNvPr id="7" name="Slide Number Placeholder 6"/>
+          <p:cNvSpPr>
+            <a:spLocks noGrp="1"/>
+          </p:cNvSpPr>
+          <p:nvPr>
+            <p:ph type="sldNum" sz="quarter" idx="12"/>
+          </p:nvPr>
+        </p:nvSpPr>
+        <p:spPr/>
+        <p:txBody>
+          <a:bodyPr/>
+          <a:lstStyle/>
+          <a:p>
+            <a:fld id="{78538BB7-E41F-4A0D-BDB3-6F27B6A9F586}" type="slidenum">
+              <a:rPr lang="en-US" smtClean="0"/>
+              <a:t>30</a:t>
+            </a:fld>
+            <a:endParaRPr lang="en-US"/>
+          </a:p>
+        </p:txBody>
+      </p:sp>
+    </p:spTree>
+    <p:extLst>
+      <p:ext uri="{BB962C8B-B14F-4D97-AF65-F5344CB8AC3E}">
+        <p14:creationId xmlns:p14="http://schemas.microsoft.com/office/powerpoint/2010/main" val="1294991909"/>
+      </p:ext>
+    </p:extLst>
+  </p:cSld>
+  <p:clrMapOvr>
+    <a:masterClrMapping/>
+  </p:clrMapOvr>
+  <p:timing>
+    <p:tnLst>
+      <p:par>
+        <p:cTn id="1" dur="indefinite" restart="never" nodeType="tmRoot"/>
+      </p:par>
+    </p:tnLst>
+  </p:timing>
+</p:sld>
+</file>
+
+<file path=ppt/slides/slide31.xml><?xml version="1.0" encoding="utf-8"?>
+<p:sld xmlns:a="http://schemas.openxmlformats.org/drawingml/2006/main" xmlns:r="http://schemas.openxmlformats.org/officeDocument/2006/relationships" xmlns:p="http://schemas.openxmlformats.org/presentationml/2006/main">
+  <p:cSld>
+    <p:spTree>
+      <p:nvGrpSpPr>
+        <p:cNvPr id="1" name=""/>
+        <p:cNvGrpSpPr/>
+        <p:nvPr/>
+      </p:nvGrpSpPr>
+      <p:grpSpPr>
+        <a:xfrm>
+          <a:off x="0" y="0"/>
+          <a:ext cx="0" cy="0"/>
+          <a:chOff x="0" y="0"/>
+          <a:chExt cx="0" cy="0"/>
+        </a:xfrm>
+      </p:grpSpPr>
+      <p:sp>
+        <p:nvSpPr>
+          <p:cNvPr id="2" name="Title 1"/>
+          <p:cNvSpPr>
+            <a:spLocks noGrp="1"/>
+          </p:cNvSpPr>
+          <p:nvPr>
+            <p:ph type="title"/>
+          </p:nvPr>
+        </p:nvSpPr>
+        <p:spPr/>
+        <p:txBody>
+          <a:bodyPr/>
+          <a:lstStyle/>
+          <a:p>
+            <a:r>
+              <a:rPr lang="en-US" dirty="0"/>
+              <a:t>State-of-the-art solutions</a:t>
+            </a:r>
+          </a:p>
+        </p:txBody>
+      </p:sp>
+      <p:sp>
+        <p:nvSpPr>
+          <p:cNvPr id="3" name="Content Placeholder 2"/>
+          <p:cNvSpPr>
+            <a:spLocks noGrp="1"/>
+          </p:cNvSpPr>
+          <p:nvPr>
+            <p:ph idx="1"/>
+          </p:nvPr>
+        </p:nvSpPr>
+        <p:spPr/>
+        <p:txBody>
+          <a:bodyPr/>
+          <a:lstStyle/>
+          <a:p>
+            <a:r>
+              <a:rPr lang="en-US" dirty="0" err="1" smtClean="0"/>
+              <a:t>GraphLab</a:t>
+            </a:r>
+            <a:r>
+              <a:rPr lang="en-US" dirty="0"/>
+              <a:t> </a:t>
+            </a:r>
+            <a:r>
+              <a:rPr lang="en-US" dirty="0" smtClean="0"/>
+              <a:t>(</a:t>
+            </a:r>
+            <a:r>
+              <a:rPr lang="en-US" dirty="0" smtClean="0">
+                <a:hlinkClick r:id="rId2"/>
+              </a:rPr>
+              <a:t>graphlab.com</a:t>
+            </a:r>
+            <a:r>
+              <a:rPr lang="en-US" dirty="0" smtClean="0"/>
+              <a:t>)</a:t>
+            </a:r>
+          </a:p>
+          <a:p>
+            <a:pPr lvl="1"/>
+            <a:r>
+              <a:rPr lang="en-US" dirty="0" smtClean="0"/>
+              <a:t>Graph-based</a:t>
+            </a:r>
+            <a:r>
+              <a:rPr lang="en-US" dirty="0"/>
+              <a:t>, high performance, distributed computation framework</a:t>
+            </a:r>
+          </a:p>
+        </p:txBody>
+      </p:sp>
+      <p:pic>
+        <p:nvPicPr>
+          <p:cNvPr id="12290" name="Picture 2" descr="GraphLab Create™ product architecture"/>
+          <p:cNvPicPr>
+            <a:picLocks noChangeAspect="1" noChangeArrowheads="1"/>
+          </p:cNvPicPr>
+          <p:nvPr/>
+        </p:nvPicPr>
+        <p:blipFill>
+          <a:blip r:embed="rId3">
+            <a:extLst>
+              <a:ext uri="{28A0092B-C50C-407E-A947-70E740481C1C}">
+                <a14:useLocalDpi xmlns:a14="http://schemas.microsoft.com/office/drawing/2010/main" val="0"/>
+              </a:ext>
+            </a:extLst>
+          </a:blip>
+          <a:srcRect/>
+          <a:stretch>
+            <a:fillRect/>
+          </a:stretch>
+        </p:blipFill>
+        <p:spPr bwMode="auto">
+          <a:xfrm>
+            <a:off x="1687286" y="3156005"/>
+            <a:ext cx="5310868" cy="3571366"/>
+          </a:xfrm>
+          <a:prstGeom prst="rect">
+            <a:avLst/>
+          </a:prstGeom>
+          <a:noFill/>
+          <a:extLst>
+            <a:ext uri="{909E8E84-426E-40DD-AFC4-6F175D3DCCD1}">
+              <a14:hiddenFill xmlns:a14="http://schemas.microsoft.com/office/drawing/2010/main">
+                <a:solidFill>
+                  <a:srgbClr val="FFFFFF"/>
+                </a:solidFill>
+              </a14:hiddenFill>
+            </a:ext>
+          </a:extLst>
+        </p:spPr>
+      </p:pic>
+      <p:sp>
+        <p:nvSpPr>
+          <p:cNvPr id="4" name="Date Placeholder 3"/>
+          <p:cNvSpPr>
+            <a:spLocks noGrp="1"/>
+          </p:cNvSpPr>
+          <p:nvPr>
+            <p:ph type="dt" sz="half" idx="10"/>
+          </p:nvPr>
+        </p:nvSpPr>
+        <p:spPr/>
+        <p:txBody>
+          <a:bodyPr/>
+          <a:lstStyle/>
+          <a:p>
+            <a:r>
+              <a:rPr lang="en-US" smtClean="0"/>
+              <a:t>CS@UVa</a:t>
+            </a:r>
+            <a:endParaRPr lang="en-US"/>
+          </a:p>
+        </p:txBody>
+      </p:sp>
+      <p:sp>
+        <p:nvSpPr>
+          <p:cNvPr id="5" name="Footer Placeholder 4"/>
+          <p:cNvSpPr>
+            <a:spLocks noGrp="1"/>
+          </p:cNvSpPr>
+          <p:nvPr>
+            <p:ph type="ftr" sz="quarter" idx="11"/>
+          </p:nvPr>
+        </p:nvSpPr>
+        <p:spPr/>
+        <p:txBody>
+          <a:bodyPr/>
+          <a:lstStyle/>
+          <a:p>
+            <a:r>
+              <a:rPr lang="en-US" smtClean="0"/>
+              <a:t>CS6501: Text Mining</a:t>
+            </a:r>
+            <a:endParaRPr lang="en-US"/>
+          </a:p>
+        </p:txBody>
+      </p:sp>
+      <p:sp>
+        <p:nvSpPr>
+          <p:cNvPr id="6" name="Slide Number Placeholder 5"/>
+          <p:cNvSpPr>
+            <a:spLocks noGrp="1"/>
+          </p:cNvSpPr>
+          <p:nvPr>
+            <p:ph type="sldNum" sz="quarter" idx="12"/>
+          </p:nvPr>
+        </p:nvSpPr>
+        <p:spPr/>
+        <p:txBody>
+          <a:bodyPr/>
+          <a:lstStyle/>
+          <a:p>
+            <a:fld id="{78538BB7-E41F-4A0D-BDB3-6F27B6A9F586}" type="slidenum">
+              <a:rPr lang="en-US" smtClean="0"/>
+              <a:t>31</a:t>
+            </a:fld>
+            <a:endParaRPr lang="en-US"/>
+          </a:p>
+        </p:txBody>
+      </p:sp>
+    </p:spTree>
+    <p:extLst>
+      <p:ext uri="{BB962C8B-B14F-4D97-AF65-F5344CB8AC3E}">
+        <p14:creationId xmlns:p14="http://schemas.microsoft.com/office/powerpoint/2010/main" val="3469604917"/>
+      </p:ext>
+    </p:extLst>
+  </p:cSld>
+  <p:clrMapOvr>
+    <a:masterClrMapping/>
+  </p:clrMapOvr>
+  <p:timing>
+    <p:tnLst>
+      <p:par>
+        <p:cTn id="1" dur="indefinite" restart="never" nodeType="tmRoot"/>
+      </p:par>
+    </p:tnLst>
+  </p:timing>
+</p:sld>
+</file>
+
+<file path=ppt/slides/slide32.xml><?xml version="1.0" encoding="utf-8"?>
+<p:sld xmlns:a="http://schemas.openxmlformats.org/drawingml/2006/main" xmlns:r="http://schemas.openxmlformats.org/officeDocument/2006/relationships" xmlns:p="http://schemas.openxmlformats.org/presentationml/2006/main">
+  <p:cSld>
+    <p:spTree>
+      <p:nvGrpSpPr>
+        <p:cNvPr id="1" name=""/>
+        <p:cNvGrpSpPr/>
+        <p:nvPr/>
+      </p:nvGrpSpPr>
+      <p:grpSpPr>
+        <a:xfrm>
+          <a:off x="0" y="0"/>
+          <a:ext cx="0" cy="0"/>
+          <a:chOff x="0" y="0"/>
+          <a:chExt cx="0" cy="0"/>
+        </a:xfrm>
+      </p:grpSpPr>
+      <p:sp>
+        <p:nvSpPr>
+          <p:cNvPr id="2" name="Title 1"/>
+          <p:cNvSpPr>
+            <a:spLocks noGrp="1"/>
+          </p:cNvSpPr>
+          <p:nvPr>
+            <p:ph type="title"/>
+          </p:nvPr>
+        </p:nvSpPr>
+        <p:spPr/>
+        <p:txBody>
+          <a:bodyPr/>
+          <a:lstStyle/>
+          <a:p>
+            <a:r>
+              <a:rPr lang="en-US" dirty="0"/>
+              <a:t>State-of-the-art solutions</a:t>
+            </a:r>
+          </a:p>
+        </p:txBody>
+      </p:sp>
+      <p:sp>
+        <p:nvSpPr>
+          <p:cNvPr id="3" name="Content Placeholder 2"/>
+          <p:cNvSpPr>
+            <a:spLocks noGrp="1"/>
+          </p:cNvSpPr>
+          <p:nvPr>
+            <p:ph idx="1"/>
+          </p:nvPr>
+        </p:nvSpPr>
+        <p:spPr/>
+        <p:txBody>
+          <a:bodyPr/>
+          <a:lstStyle/>
+          <a:p>
+            <a:r>
+              <a:rPr lang="en-US" dirty="0" err="1" smtClean="0"/>
+              <a:t>GraphLab</a:t>
+            </a:r>
+            <a:r>
+              <a:rPr lang="en-US" dirty="0"/>
+              <a:t> </a:t>
+            </a:r>
+            <a:r>
+              <a:rPr lang="en-US" dirty="0" smtClean="0"/>
+              <a:t>(</a:t>
+            </a:r>
+            <a:r>
+              <a:rPr lang="en-US" dirty="0" smtClean="0">
+                <a:hlinkClick r:id="rId2"/>
+              </a:rPr>
+              <a:t>graphlab.com</a:t>
+            </a:r>
+            <a:r>
+              <a:rPr lang="en-US" dirty="0" smtClean="0"/>
+              <a:t>)</a:t>
+            </a:r>
+          </a:p>
+          <a:p>
+            <a:pPr lvl="1"/>
+            <a:r>
+              <a:rPr lang="en-US" dirty="0" smtClean="0"/>
+              <a:t>Specialized for sparse </a:t>
+            </a:r>
+            <a:r>
+              <a:rPr lang="en-US" dirty="0"/>
+              <a:t>data with local dependencies for iterative algorithms</a:t>
+            </a:r>
+          </a:p>
+          <a:p>
+            <a:pPr lvl="1"/>
+            <a:endParaRPr lang="en-US" dirty="0"/>
+          </a:p>
+        </p:txBody>
+      </p:sp>
+      <p:pic>
+        <p:nvPicPr>
+          <p:cNvPr id="11266" name="Picture 2" descr="GraphLab Create™ logistic regression speed and accurcy benchmark"/>
+          <p:cNvPicPr>
+            <a:picLocks noChangeAspect="1" noChangeArrowheads="1"/>
+          </p:cNvPicPr>
+          <p:nvPr/>
+        </p:nvPicPr>
+        <p:blipFill>
+          <a:blip r:embed="rId3">
+            <a:extLst>
+              <a:ext uri="{28A0092B-C50C-407E-A947-70E740481C1C}">
+                <a14:useLocalDpi xmlns:a14="http://schemas.microsoft.com/office/drawing/2010/main" val="0"/>
+              </a:ext>
+            </a:extLst>
+          </a:blip>
+          <a:srcRect/>
+          <a:stretch>
+            <a:fillRect/>
+          </a:stretch>
+        </p:blipFill>
+        <p:spPr bwMode="auto">
+          <a:xfrm>
+            <a:off x="2175576" y="3368460"/>
+            <a:ext cx="4792847" cy="2940269"/>
+          </a:xfrm>
+          <a:prstGeom prst="rect">
+            <a:avLst/>
+          </a:prstGeom>
+          <a:noFill/>
+          <a:extLst>
+            <a:ext uri="{909E8E84-426E-40DD-AFC4-6F175D3DCCD1}">
+              <a14:hiddenFill xmlns:a14="http://schemas.microsoft.com/office/drawing/2010/main">
+                <a:solidFill>
+                  <a:srgbClr val="FFFFFF"/>
+                </a:solidFill>
+              </a14:hiddenFill>
+            </a:ext>
+          </a:extLst>
+        </p:spPr>
+      </p:pic>
+      <p:sp>
+        <p:nvSpPr>
+          <p:cNvPr id="4" name="Date Placeholder 3"/>
+          <p:cNvSpPr>
+            <a:spLocks noGrp="1"/>
+          </p:cNvSpPr>
+          <p:nvPr>
+            <p:ph type="dt" sz="half" idx="10"/>
+          </p:nvPr>
+        </p:nvSpPr>
+        <p:spPr/>
+        <p:txBody>
+          <a:bodyPr/>
+          <a:lstStyle/>
+          <a:p>
+            <a:r>
+              <a:rPr lang="en-US" smtClean="0"/>
+              <a:t>CS@UVa</a:t>
+            </a:r>
+            <a:endParaRPr lang="en-US"/>
+          </a:p>
+        </p:txBody>
+      </p:sp>
+      <p:sp>
+        <p:nvSpPr>
+          <p:cNvPr id="5" name="Footer Placeholder 4"/>
+          <p:cNvSpPr>
+            <a:spLocks noGrp="1"/>
+          </p:cNvSpPr>
+          <p:nvPr>
+            <p:ph type="ftr" sz="quarter" idx="11"/>
+          </p:nvPr>
+        </p:nvSpPr>
+        <p:spPr/>
+        <p:txBody>
+          <a:bodyPr/>
+          <a:lstStyle/>
+          <a:p>
+            <a:r>
+              <a:rPr lang="en-US" smtClean="0"/>
+              <a:t>CS6501: Text Mining</a:t>
+            </a:r>
+            <a:endParaRPr lang="en-US"/>
+          </a:p>
+        </p:txBody>
+      </p:sp>
+      <p:sp>
+        <p:nvSpPr>
+          <p:cNvPr id="6" name="Slide Number Placeholder 5"/>
+          <p:cNvSpPr>
+            <a:spLocks noGrp="1"/>
+          </p:cNvSpPr>
+          <p:nvPr>
+            <p:ph type="sldNum" sz="quarter" idx="12"/>
+          </p:nvPr>
+        </p:nvSpPr>
+        <p:spPr/>
+        <p:txBody>
+          <a:bodyPr/>
+          <a:lstStyle/>
+          <a:p>
+            <a:fld id="{78538BB7-E41F-4A0D-BDB3-6F27B6A9F586}" type="slidenum">
+              <a:rPr lang="en-US" smtClean="0"/>
+              <a:t>32</a:t>
+            </a:fld>
+            <a:endParaRPr lang="en-US"/>
+          </a:p>
+        </p:txBody>
+      </p:sp>
+    </p:spTree>
+    <p:extLst>
+      <p:ext uri="{BB962C8B-B14F-4D97-AF65-F5344CB8AC3E}">
+        <p14:creationId xmlns:p14="http://schemas.microsoft.com/office/powerpoint/2010/main" val="3488456964"/>
+      </p:ext>
+    </p:extLst>
+  </p:cSld>
+  <p:clrMapOvr>
+    <a:masterClrMapping/>
+  </p:clrMapOvr>
+  <p:timing>
+    <p:tnLst>
+      <p:par>
+        <p:cTn id="1" dur="indefinite" restart="never" nodeType="tmRoot"/>
+      </p:par>
+    </p:tnLst>
+  </p:timing>
+</p:sld>
+</file>
+
+<file path=ppt/slides/slide33.xml><?xml version="1.0" encoding="utf-8"?>
+<p:sld xmlns:a="http://schemas.openxmlformats.org/drawingml/2006/main" xmlns:r="http://schemas.openxmlformats.org/officeDocument/2006/relationships" xmlns:p="http://schemas.openxmlformats.org/presentationml/2006/main">
+  <p:cSld>
+    <p:spTree>
+      <p:nvGrpSpPr>
+        <p:cNvPr id="1" name=""/>
+        <p:cNvGrpSpPr/>
+        <p:nvPr/>
+      </p:nvGrpSpPr>
+      <p:grpSpPr>
+        <a:xfrm>
+          <a:off x="0" y="0"/>
+          <a:ext cx="0" cy="0"/>
+          <a:chOff x="0" y="0"/>
+          <a:chExt cx="0" cy="0"/>
+        </a:xfrm>
+      </p:grpSpPr>
+      <p:sp>
+        <p:nvSpPr>
+          <p:cNvPr id="2" name="Title 1"/>
+          <p:cNvSpPr>
+            <a:spLocks noGrp="1"/>
+          </p:cNvSpPr>
+          <p:nvPr>
+            <p:ph type="title"/>
+          </p:nvPr>
+        </p:nvSpPr>
+        <p:spPr/>
+        <p:txBody>
           <a:bodyPr>
             <a:normAutofit/>
           </a:bodyPr>
@@ -17088,7 +17722,7 @@
           <a:p>
             <a:fld id="{6973CE62-043F-4E77-80C4-DE63F232D26F}" type="slidenum">
               <a:rPr lang="en-US" smtClean="0"/>
-              <a:t>30</a:t>
+              <a:t>33</a:t>
             </a:fld>
             <a:endParaRPr lang="en-US"/>
           </a:p>
@@ -18692,7 +19326,7 @@
 </p:sld>
 </file>
 
-<file path=ppt/slides/slide31.xml><?xml version="1.0" encoding="utf-8"?>
+<file path=ppt/slides/slide34.xml><?xml version="1.0" encoding="utf-8"?>
 <p:sld xmlns:a="http://schemas.openxmlformats.org/drawingml/2006/main" xmlns:r="http://schemas.openxmlformats.org/officeDocument/2006/relationships" xmlns:p="http://schemas.openxmlformats.org/presentationml/2006/main">
   <p:cSld>
     <p:spTree>
@@ -18732,7 +19366,7 @@
         </p:blipFill>
         <p:spPr bwMode="auto">
           <a:xfrm>
-            <a:off x="580876" y="4963882"/>
+            <a:off x="580876" y="3007968"/>
             <a:ext cx="1347336" cy="1347337"/>
           </a:xfrm>
           <a:prstGeom prst="rect">
@@ -18767,11 +19401,7 @@
           <a:p>
             <a:r>
               <a:rPr lang="en-US" dirty="0" smtClean="0"/>
-              <a:t>Text </a:t>
-            </a:r>
-            <a:r>
-              <a:rPr lang="en-US" dirty="0" smtClean="0"/>
-              <a:t>books</a:t>
+              <a:t>Text books</a:t>
             </a:r>
             <a:endParaRPr lang="en-US" dirty="0"/>
           </a:p>
@@ -18787,7 +19417,7 @@
         </p:nvSpPr>
         <p:spPr>
           <a:xfrm>
-            <a:off x="1928212" y="1785256"/>
+            <a:off x="1928212" y="1771079"/>
             <a:ext cx="6629400" cy="4525963"/>
           </a:xfrm>
           <a:prstGeom prst="rect">
@@ -18937,6 +19567,80 @@
           </a:lstStyle>
           <a:p>
             <a:r>
+              <a:rPr lang="en-US" sz="2400" b="1" i="1" dirty="0" smtClean="0"/>
+              <a:t>Introduction </a:t>
+            </a:r>
+            <a:r>
+              <a:rPr lang="en-US" sz="2400" b="1" i="1" dirty="0" smtClean="0"/>
+              <a:t>to Information Retrieval</a:t>
+            </a:r>
+            <a:r>
+              <a:rPr lang="en-US" sz="2400" dirty="0" smtClean="0"/>
+              <a:t>. Christopher D. Manning, </a:t>
+            </a:r>
+            <a:r>
+              <a:rPr lang="en-US" sz="2400" dirty="0" err="1" smtClean="0"/>
+              <a:t>Prabhakar</a:t>
+            </a:r>
+            <a:r>
+              <a:rPr lang="en-US" sz="2400" dirty="0" smtClean="0"/>
+              <a:t> </a:t>
+            </a:r>
+            <a:r>
+              <a:rPr lang="en-US" sz="2400" dirty="0" err="1" smtClean="0"/>
+              <a:t>Raghavan</a:t>
+            </a:r>
+            <a:r>
+              <a:rPr lang="en-US" sz="2400" dirty="0" smtClean="0"/>
+              <a:t>, and </a:t>
+            </a:r>
+            <a:r>
+              <a:rPr lang="en-US" sz="2400" dirty="0" err="1" smtClean="0"/>
+              <a:t>Hinrich</a:t>
+            </a:r>
+            <a:r>
+              <a:rPr lang="en-US" sz="2400" dirty="0" smtClean="0"/>
+              <a:t> </a:t>
+            </a:r>
+            <a:r>
+              <a:rPr lang="en-US" sz="2400" dirty="0" err="1" smtClean="0"/>
+              <a:t>Schuetze</a:t>
+            </a:r>
+            <a:r>
+              <a:rPr lang="en-US" sz="2400" dirty="0" smtClean="0"/>
+              <a:t>, Cambridge University Press, 2007</a:t>
+            </a:r>
+            <a:r>
+              <a:rPr lang="en-US" sz="2400" dirty="0" smtClean="0"/>
+              <a:t>.</a:t>
+            </a:r>
+            <a:endParaRPr lang="en-US" sz="2400" dirty="0" smtClean="0"/>
+          </a:p>
+          <a:p>
+            <a:r>
+              <a:rPr lang="en-US" sz="2400" b="1" i="1" dirty="0"/>
+              <a:t>Speech and Language Processing</a:t>
+            </a:r>
+            <a:r>
+              <a:rPr lang="en-US" sz="2400" dirty="0"/>
+              <a:t>. Daniel </a:t>
+            </a:r>
+            <a:r>
+              <a:rPr lang="en-US" sz="2400" dirty="0" err="1"/>
+              <a:t>Jurafsky</a:t>
+            </a:r>
+            <a:r>
+              <a:rPr lang="en-US" sz="2400" dirty="0"/>
+              <a:t> and James H. Martin, Pearson Education, 2000</a:t>
+            </a:r>
+            <a:r>
+              <a:rPr lang="en-US" sz="2400" dirty="0" smtClean="0"/>
+              <a:t>.</a:t>
+            </a:r>
+            <a:endParaRPr lang="en-US" sz="2400" dirty="0" smtClean="0"/>
+          </a:p>
+          <a:p>
+            <a:r>
               <a:rPr lang="en-US" sz="2400" b="1" i="1" dirty="0"/>
               <a:t>Mining Text Data</a:t>
             </a:r>
@@ -18950,88 +19654,24 @@
             </a:r>
             <a:r>
               <a:rPr lang="en-US" sz="2400" dirty="0"/>
-              <a:t> C. Aggarwal and ChengXiang Zhai, Springer, 2012.</a:t>
-            </a:r>
-          </a:p>
-          <a:p>
-            <a:pPr marL="0" indent="0">
-              <a:buNone/>
-            </a:pPr>
-            <a:endParaRPr lang="en-US" sz="2400" b="1" i="1" dirty="0" smtClean="0"/>
-          </a:p>
-          <a:p>
-            <a:r>
-              <a:rPr lang="en-US" sz="2400" b="1" i="1" dirty="0" smtClean="0"/>
-              <a:t>Introduction to Information Retrieval</a:t>
-            </a:r>
-            <a:r>
-              <a:rPr lang="en-US" sz="2400" dirty="0" smtClean="0"/>
-              <a:t>. Christopher D. Manning, </a:t>
-            </a:r>
-            <a:r>
-              <a:rPr lang="en-US" sz="2400" dirty="0" err="1" smtClean="0"/>
-              <a:t>Prabhakar</a:t>
-            </a:r>
-            <a:r>
-              <a:rPr lang="en-US" sz="2400" dirty="0" smtClean="0"/>
+              <a:t> C. Aggarwal and </a:t>
+            </a:r>
+            <a:r>
+              <a:rPr lang="en-US" sz="2400" dirty="0" err="1"/>
+              <a:t>ChengXiang</a:t>
+            </a:r>
+            <a:r>
+              <a:rPr lang="en-US" sz="2400" dirty="0"/>
               <a:t> </a:t>
             </a:r>
             <a:r>
-              <a:rPr lang="en-US" sz="2400" dirty="0" err="1" smtClean="0"/>
-              <a:t>Raghavan</a:t>
-            </a:r>
-            <a:r>
-              <a:rPr lang="en-US" sz="2400" dirty="0" smtClean="0"/>
-              <a:t>, and </a:t>
-            </a:r>
-            <a:r>
-              <a:rPr lang="en-US" sz="2400" dirty="0" err="1" smtClean="0"/>
-              <a:t>Hinrich</a:t>
-            </a:r>
-            <a:r>
-              <a:rPr lang="en-US" sz="2400" dirty="0" smtClean="0"/>
-              <a:t> </a:t>
-            </a:r>
-            <a:r>
-              <a:rPr lang="en-US" sz="2400" dirty="0" err="1" smtClean="0"/>
-              <a:t>Schuetze</a:t>
-            </a:r>
-            <a:r>
-              <a:rPr lang="en-US" sz="2400" dirty="0" smtClean="0"/>
-              <a:t>, Cambridge University Press, 2007.</a:t>
-            </a:r>
-          </a:p>
-          <a:p>
-            <a:pPr marL="0" indent="0">
-              <a:buFont typeface="Arial" panose="020B0604020202020204" pitchFamily="34" charset="0"/>
-              <a:buNone/>
-            </a:pPr>
-            <a:endParaRPr lang="en-US" sz="2400" dirty="0" smtClean="0"/>
-          </a:p>
-          <a:p>
-            <a:r>
-              <a:rPr lang="en-US" sz="2400" b="1" i="1" dirty="0"/>
-              <a:t>Speech and Language Processing</a:t>
+              <a:rPr lang="en-US" sz="2400" dirty="0" err="1"/>
+              <a:t>Zhai</a:t>
             </a:r>
             <a:r>
               <a:rPr lang="en-US" sz="2400" dirty="0"/>
-              <a:t>. Daniel </a:t>
-            </a:r>
-            <a:r>
-              <a:rPr lang="en-US" sz="2400" dirty="0" err="1"/>
-              <a:t>Jurafsky</a:t>
-            </a:r>
-            <a:r>
-              <a:rPr lang="en-US" sz="2400" dirty="0"/>
-              <a:t> and James H. Martin, Pearson Education, 2000</a:t>
-            </a:r>
-            <a:r>
-              <a:rPr lang="en-US" sz="2400" dirty="0" smtClean="0"/>
-              <a:t>.</a:t>
-            </a:r>
-          </a:p>
-          <a:p>
-            <a:endParaRPr lang="en-US" sz="2400" dirty="0" smtClean="0"/>
+              <a:t>, Springer, 2012.</a:t>
+            </a:r>
           </a:p>
           <a:p>
             <a:endParaRPr lang="en-US" sz="2400" dirty="0"/>
@@ -19060,7 +19700,7 @@
         </p:blipFill>
         <p:spPr>
           <a:xfrm>
-            <a:off x="800607" y="3278102"/>
+            <a:off x="779722" y="1417638"/>
             <a:ext cx="978426" cy="1491345"/>
           </a:xfrm>
           <a:prstGeom prst="rect">
@@ -19091,7 +19731,7 @@
         </p:blipFill>
         <p:spPr bwMode="auto">
           <a:xfrm>
-            <a:off x="730056" y="1523633"/>
+            <a:off x="709171" y="4454290"/>
             <a:ext cx="1048977" cy="1579785"/>
           </a:xfrm>
           <a:prstGeom prst="rect">
@@ -19172,7 +19812,7 @@
           <a:p>
             <a:fld id="{78538BB7-E41F-4A0D-BDB3-6F27B6A9F586}" type="slidenum">
               <a:rPr lang="en-US" smtClean="0"/>
-              <a:t>31</a:t>
+              <a:t>34</a:t>
             </a:fld>
             <a:endParaRPr lang="en-US"/>
           </a:p>
@@ -19198,7 +19838,7 @@
 </p:sld>
 </file>
 
-<file path=ppt/slides/slide32.xml><?xml version="1.0" encoding="utf-8"?>
+<file path=ppt/slides/slide35.xml><?xml version="1.0" encoding="utf-8"?>
 <p:sld xmlns:a="http://schemas.openxmlformats.org/drawingml/2006/main" xmlns:r="http://schemas.openxmlformats.org/officeDocument/2006/relationships" xmlns:p="http://schemas.openxmlformats.org/presentationml/2006/main">
   <p:cSld>
     <p:spTree>
@@ -20589,7 +21229,7 @@
           <a:p>
             <a:fld id="{04D6BED6-93C9-4D43-B1C0-E2DD71716F4C}" type="slidenum">
               <a:rPr lang="en-US" smtClean="0"/>
-              <a:t>32</a:t>
+              <a:t>35</a:t>
             </a:fld>
             <a:endParaRPr lang="en-US"/>
           </a:p>
@@ -20674,7 +21314,7 @@
 </p:sld>
 </file>
 
-<file path=ppt/slides/slide33.xml><?xml version="1.0" encoding="utf-8"?>
+<file path=ppt/slides/slide36.xml><?xml version="1.0" encoding="utf-8"?>
 <p:sld xmlns:a="http://schemas.openxmlformats.org/drawingml/2006/main" xmlns:r="http://schemas.openxmlformats.org/officeDocument/2006/relationships" xmlns:p="http://schemas.openxmlformats.org/presentationml/2006/main">
   <p:cSld>
     <p:spTree>
@@ -20820,7 +21460,7 @@
           <a:p>
             <a:fld id="{78538BB7-E41F-4A0D-BDB3-6F27B6A9F586}" type="slidenum">
               <a:rPr lang="en-US" smtClean="0"/>
-              <a:t>33</a:t>
+              <a:t>36</a:t>
             </a:fld>
             <a:endParaRPr lang="en-US"/>
           </a:p>

--- a/docs/IntroductionToTextMining.pptx
+++ b/docs/IntroductionToTextMining.pptx
@@ -243,7 +243,7 @@
           <a:p>
             <a:fld id="{E8F3E8EE-47E5-47CD-960F-A3DDD26A6F74}" type="datetimeFigureOut">
               <a:rPr lang="en-US" smtClean="0"/>
-              <a:t>1/19/2016</a:t>
+              <a:t>1/20/2016</a:t>
             </a:fld>
             <a:endParaRPr lang="en-US"/>
           </a:p>
@@ -15187,13 +15187,8 @@
             <a:pPr lvl="2"/>
             <a:r>
               <a:rPr lang="en-US" dirty="0" smtClean="0"/>
-              <a:t>K-Means, hierarchical </a:t>
-            </a:r>
-            <a:r>
-              <a:rPr lang="en-US" dirty="0" smtClean="0"/>
-              <a:t>clustering, topic models</a:t>
-            </a:r>
-            <a:endParaRPr lang="en-US" dirty="0" smtClean="0"/>
+              <a:t>K-Means, hierarchical clustering, topic models</a:t>
+            </a:r>
           </a:p>
           <a:p>
             <a:pPr lvl="1"/>
@@ -17976,6 +17971,126 @@
       </p:grpSp>
       <p:grpSp>
         <p:nvGrpSpPr>
+          <p:cNvPr id="9" name="Group 8"/>
+          <p:cNvGrpSpPr/>
+          <p:nvPr/>
+        </p:nvGrpSpPr>
+        <p:grpSpPr>
+          <a:xfrm>
+            <a:off x="5908436" y="2648311"/>
+            <a:ext cx="1094326" cy="946378"/>
+            <a:chOff x="5908436" y="2648311"/>
+            <a:chExt cx="1094326" cy="946378"/>
+          </a:xfrm>
+        </p:grpSpPr>
+        <p:sp>
+          <p:nvSpPr>
+            <p:cNvPr id="53" name="Text Box 35"/>
+            <p:cNvSpPr txBox="1"/>
+            <p:nvPr/>
+          </p:nvSpPr>
+          <p:spPr>
+            <a:xfrm>
+              <a:off x="5908436" y="3297761"/>
+              <a:ext cx="1094326" cy="296928"/>
+            </a:xfrm>
+            <a:prstGeom prst="rect">
+              <a:avLst/>
+            </a:prstGeom>
+            <a:solidFill>
+              <a:schemeClr val="lt1"/>
+            </a:solidFill>
+            <a:ln w="6350">
+              <a:noFill/>
+            </a:ln>
+            <a:effectLst/>
+          </p:spPr>
+          <p:style>
+            <a:lnRef idx="0">
+              <a:schemeClr val="accent1"/>
+            </a:lnRef>
+            <a:fillRef idx="0">
+              <a:schemeClr val="accent1"/>
+            </a:fillRef>
+            <a:effectRef idx="0">
+              <a:schemeClr val="accent1"/>
+            </a:effectRef>
+            <a:fontRef idx="minor">
+              <a:schemeClr val="dk1"/>
+            </a:fontRef>
+          </p:style>
+          <p:txBody>
+            <a:bodyPr rot="0" spcFirstLastPara="0" vert="horz" wrap="square" lIns="68580" tIns="34290" rIns="68580" bIns="34290" numCol="1" spcCol="0" rtlCol="0" fromWordArt="0" anchor="t" anchorCtr="0" forceAA="0" compatLnSpc="1">
+              <a:prstTxWarp prst="textNoShape">
+                <a:avLst/>
+              </a:prstTxWarp>
+              <a:noAutofit/>
+            </a:bodyPr>
+            <a:lstStyle/>
+            <a:p>
+              <a:pPr>
+                <a:lnSpc>
+                  <a:spcPct val="107000"/>
+                </a:lnSpc>
+              </a:pPr>
+              <a:r>
+                <a:rPr lang="en-US" sz="1200" b="1" i="1" dirty="0">
+                  <a:ea typeface="宋体" panose="02010600030101010101" pitchFamily="2" charset="-122"/>
+                  <a:cs typeface="Times New Roman" panose="02020603050405020304" pitchFamily="18" charset="0"/>
+                </a:rPr>
+                <a:t>Text data</a:t>
+              </a:r>
+              <a:endParaRPr lang="en-US" sz="1200" dirty="0">
+                <a:ea typeface="宋体" panose="02010600030101010101" pitchFamily="2" charset="-122"/>
+                <a:cs typeface="Times New Roman" panose="02020603050405020304" pitchFamily="18" charset="0"/>
+              </a:endParaRPr>
+            </a:p>
+          </p:txBody>
+        </p:sp>
+        <p:pic>
+          <p:nvPicPr>
+            <p:cNvPr id="61" name="Picture 14" descr="http://www.bizceos.com/wp-content/uploads/2011/05/files.jpg"/>
+            <p:cNvPicPr>
+              <a:picLocks noChangeAspect="1" noChangeArrowheads="1"/>
+            </p:cNvPicPr>
+            <p:nvPr/>
+          </p:nvPicPr>
+          <p:blipFill>
+            <a:blip r:embed="rId3" cstate="print">
+              <a:extLst>
+                <a:ext uri="{28A0092B-C50C-407E-A947-70E740481C1C}">
+                  <a14:useLocalDpi xmlns:a14="http://schemas.microsoft.com/office/drawing/2010/main" val="0"/>
+                </a:ext>
+              </a:extLst>
+            </a:blip>
+            <a:srcRect/>
+            <a:stretch>
+              <a:fillRect/>
+            </a:stretch>
+          </p:blipFill>
+          <p:spPr bwMode="auto">
+            <a:xfrm>
+              <a:off x="5926571" y="2648311"/>
+              <a:ext cx="688589" cy="659897"/>
+            </a:xfrm>
+            <a:prstGeom prst="rect">
+              <a:avLst/>
+            </a:prstGeom>
+            <a:noFill/>
+            <a:extLst>
+              <a:ext uri="{909E8E84-426E-40DD-AFC4-6F175D3DCCD1}">
+                <a14:hiddenFill xmlns:a14="http://schemas.microsoft.com/office/drawing/2010/main">
+                  <a:solidFill>
+                    <a:srgbClr val="FFFFFF"/>
+                  </a:solidFill>
+                </a14:hiddenFill>
+              </a:ext>
+            </a:extLst>
+          </p:spPr>
+        </p:pic>
+      </p:grpSp>
+      <p:grpSp>
+        <p:nvGrpSpPr>
           <p:cNvPr id="43" name="Group 42"/>
           <p:cNvGrpSpPr/>
           <p:nvPr/>
@@ -18098,126 +18213,6 @@
       </p:grpSp>
       <p:grpSp>
         <p:nvGrpSpPr>
-          <p:cNvPr id="9" name="Group 8"/>
-          <p:cNvGrpSpPr/>
-          <p:nvPr/>
-        </p:nvGrpSpPr>
-        <p:grpSpPr>
-          <a:xfrm>
-            <a:off x="5908436" y="2648311"/>
-            <a:ext cx="1094326" cy="946378"/>
-            <a:chOff x="5908436" y="2648311"/>
-            <a:chExt cx="1094326" cy="946378"/>
-          </a:xfrm>
-        </p:grpSpPr>
-        <p:sp>
-          <p:nvSpPr>
-            <p:cNvPr id="53" name="Text Box 35"/>
-            <p:cNvSpPr txBox="1"/>
-            <p:nvPr/>
-          </p:nvSpPr>
-          <p:spPr>
-            <a:xfrm>
-              <a:off x="5908436" y="3297761"/>
-              <a:ext cx="1094326" cy="296928"/>
-            </a:xfrm>
-            <a:prstGeom prst="rect">
-              <a:avLst/>
-            </a:prstGeom>
-            <a:solidFill>
-              <a:schemeClr val="lt1"/>
-            </a:solidFill>
-            <a:ln w="6350">
-              <a:noFill/>
-            </a:ln>
-            <a:effectLst/>
-          </p:spPr>
-          <p:style>
-            <a:lnRef idx="0">
-              <a:schemeClr val="accent1"/>
-            </a:lnRef>
-            <a:fillRef idx="0">
-              <a:schemeClr val="accent1"/>
-            </a:fillRef>
-            <a:effectRef idx="0">
-              <a:schemeClr val="accent1"/>
-            </a:effectRef>
-            <a:fontRef idx="minor">
-              <a:schemeClr val="dk1"/>
-            </a:fontRef>
-          </p:style>
-          <p:txBody>
-            <a:bodyPr rot="0" spcFirstLastPara="0" vert="horz" wrap="square" lIns="68580" tIns="34290" rIns="68580" bIns="34290" numCol="1" spcCol="0" rtlCol="0" fromWordArt="0" anchor="t" anchorCtr="0" forceAA="0" compatLnSpc="1">
-              <a:prstTxWarp prst="textNoShape">
-                <a:avLst/>
-              </a:prstTxWarp>
-              <a:noAutofit/>
-            </a:bodyPr>
-            <a:lstStyle/>
-            <a:p>
-              <a:pPr>
-                <a:lnSpc>
-                  <a:spcPct val="107000"/>
-                </a:lnSpc>
-              </a:pPr>
-              <a:r>
-                <a:rPr lang="en-US" sz="1200" b="1" i="1" dirty="0">
-                  <a:ea typeface="宋体" panose="02010600030101010101" pitchFamily="2" charset="-122"/>
-                  <a:cs typeface="Times New Roman" panose="02020603050405020304" pitchFamily="18" charset="0"/>
-                </a:rPr>
-                <a:t>Text data</a:t>
-              </a:r>
-              <a:endParaRPr lang="en-US" sz="1200" dirty="0">
-                <a:ea typeface="宋体" panose="02010600030101010101" pitchFamily="2" charset="-122"/>
-                <a:cs typeface="Times New Roman" panose="02020603050405020304" pitchFamily="18" charset="0"/>
-              </a:endParaRPr>
-            </a:p>
-          </p:txBody>
-        </p:sp>
-        <p:pic>
-          <p:nvPicPr>
-            <p:cNvPr id="61" name="Picture 14" descr="http://www.bizceos.com/wp-content/uploads/2011/05/files.jpg"/>
-            <p:cNvPicPr>
-              <a:picLocks noChangeAspect="1" noChangeArrowheads="1"/>
-            </p:cNvPicPr>
-            <p:nvPr/>
-          </p:nvPicPr>
-          <p:blipFill>
-            <a:blip r:embed="rId3" cstate="print">
-              <a:extLst>
-                <a:ext uri="{28A0092B-C50C-407E-A947-70E740481C1C}">
-                  <a14:useLocalDpi xmlns:a14="http://schemas.microsoft.com/office/drawing/2010/main" val="0"/>
-                </a:ext>
-              </a:extLst>
-            </a:blip>
-            <a:srcRect/>
-            <a:stretch>
-              <a:fillRect/>
-            </a:stretch>
-          </p:blipFill>
-          <p:spPr bwMode="auto">
-            <a:xfrm>
-              <a:off x="5926571" y="2648311"/>
-              <a:ext cx="688589" cy="659897"/>
-            </a:xfrm>
-            <a:prstGeom prst="rect">
-              <a:avLst/>
-            </a:prstGeom>
-            <a:noFill/>
-            <a:extLst>
-              <a:ext uri="{909E8E84-426E-40DD-AFC4-6F175D3DCCD1}">
-                <a14:hiddenFill xmlns:a14="http://schemas.microsoft.com/office/drawing/2010/main">
-                  <a:solidFill>
-                    <a:srgbClr val="FFFFFF"/>
-                  </a:solidFill>
-                </a14:hiddenFill>
-              </a:ext>
-            </a:extLst>
-          </p:spPr>
-        </p:pic>
-      </p:grpSp>
-      <p:grpSp>
-        <p:nvGrpSpPr>
           <p:cNvPr id="14" name="Group 13"/>
           <p:cNvGrpSpPr/>
           <p:nvPr/>
@@ -18225,9 +18220,9 @@
         <p:grpSpPr>
           <a:xfrm>
             <a:off x="5591480" y="2252191"/>
-            <a:ext cx="3095320" cy="1402413"/>
+            <a:ext cx="2797122" cy="1402413"/>
             <a:chOff x="5591480" y="2252191"/>
-            <a:chExt cx="3095320" cy="1402413"/>
+            <a:chExt cx="2797122" cy="1402413"/>
           </a:xfrm>
         </p:grpSpPr>
         <p:grpSp>
@@ -18372,9 +18367,9 @@
           <p:grpSpPr>
             <a:xfrm>
               <a:off x="7071836" y="2799947"/>
-              <a:ext cx="1614964" cy="775700"/>
+              <a:ext cx="1182267" cy="775700"/>
               <a:chOff x="7071836" y="2799947"/>
-              <a:chExt cx="1614964" cy="775700"/>
+              <a:chExt cx="1182267" cy="775700"/>
             </a:xfrm>
           </p:grpSpPr>
           <p:sp>
@@ -18386,7 +18381,7 @@
             <p:spPr>
               <a:xfrm>
                 <a:off x="7071836" y="3299310"/>
-                <a:ext cx="1614964" cy="276337"/>
+                <a:ext cx="1182267" cy="276337"/>
               </a:xfrm>
               <a:prstGeom prst="rect">
                 <a:avLst/>
@@ -18979,7 +18974,7 @@
                             </p:stCondLst>
                             <p:childTnLst>
                               <p:par>
-                                <p:cTn id="9" presetID="1" presetClass="entr" presetSubtype="0" fill="hold" nodeType="clickEffect">
+                                <p:cTn id="9" presetID="22" presetClass="entr" presetSubtype="8" fill="hold" nodeType="clickEffect">
                                   <p:stCondLst>
                                     <p:cond delay="0"/>
                                   </p:stCondLst>
@@ -18992,7 +18987,7 @@
                                           </p:stCondLst>
                                         </p:cTn>
                                         <p:tgtEl>
-                                          <p:spTgt spid="14"/>
+                                          <p:spTgt spid="42"/>
                                         </p:tgtEl>
                                         <p:attrNameLst>
                                           <p:attrName>style.visibility</p:attrName>
@@ -19002,6 +18997,14 @@
                                         <p:strVal val="visible"/>
                                       </p:to>
                                     </p:set>
+                                    <p:animEffect transition="in" filter="wipe(left)">
+                                      <p:cBhvr>
+                                        <p:cTn id="11" dur="500"/>
+                                        <p:tgtEl>
+                                          <p:spTgt spid="42"/>
+                                        </p:tgtEl>
+                                      </p:cBhvr>
+                                    </p:animEffect>
                                   </p:childTnLst>
                                 </p:cTn>
                               </p:par>
@@ -19012,32 +19015,32 @@
                     </p:cTn>
                   </p:par>
                   <p:par>
-                    <p:cTn id="11" fill="hold">
+                    <p:cTn id="12" fill="hold">
                       <p:stCondLst>
                         <p:cond delay="indefinite"/>
                       </p:stCondLst>
                       <p:childTnLst>
                         <p:par>
-                          <p:cTn id="12" fill="hold">
+                          <p:cTn id="13" fill="hold">
                             <p:stCondLst>
                               <p:cond delay="0"/>
                             </p:stCondLst>
                             <p:childTnLst>
                               <p:par>
-                                <p:cTn id="13" presetID="22" presetClass="entr" presetSubtype="4" fill="hold" nodeType="clickEffect">
+                                <p:cTn id="14" presetID="1" presetClass="entr" presetSubtype="0" fill="hold" nodeType="clickEffect">
                                   <p:stCondLst>
                                     <p:cond delay="0"/>
                                   </p:stCondLst>
                                   <p:childTnLst>
                                     <p:set>
                                       <p:cBhvr>
-                                        <p:cTn id="14" dur="1" fill="hold">
+                                        <p:cTn id="15" dur="1" fill="hold">
                                           <p:stCondLst>
                                             <p:cond delay="0"/>
                                           </p:stCondLst>
                                         </p:cTn>
                                         <p:tgtEl>
-                                          <p:spTgt spid="43"/>
+                                          <p:spTgt spid="16"/>
                                         </p:tgtEl>
                                         <p:attrNameLst>
                                           <p:attrName>style.visibility</p:attrName>
@@ -19047,14 +19050,6 @@
                                         <p:strVal val="visible"/>
                                       </p:to>
                                     </p:set>
-                                    <p:animEffect transition="in" filter="wipe(down)">
-                                      <p:cBhvr>
-                                        <p:cTn id="15" dur="500"/>
-                                        <p:tgtEl>
-                                          <p:spTgt spid="43"/>
-                                        </p:tgtEl>
-                                      </p:cBhvr>
-                                    </p:animEffect>
                                   </p:childTnLst>
                                 </p:cTn>
                               </p:par>
@@ -19077,7 +19072,7 @@
                             </p:stCondLst>
                             <p:childTnLst>
                               <p:par>
-                                <p:cTn id="18" presetID="22" presetClass="entr" presetSubtype="8" fill="hold" nodeType="clickEffect">
+                                <p:cTn id="18" presetID="22" presetClass="entr" presetSubtype="4" fill="hold" nodeType="clickEffect">
                                   <p:stCondLst>
                                     <p:cond delay="0"/>
                                   </p:stCondLst>
@@ -19090,7 +19085,7 @@
                                           </p:stCondLst>
                                         </p:cTn>
                                         <p:tgtEl>
-                                          <p:spTgt spid="42"/>
+                                          <p:spTgt spid="43"/>
                                         </p:tgtEl>
                                         <p:attrNameLst>
                                           <p:attrName>style.visibility</p:attrName>
@@ -19100,11 +19095,11 @@
                                         <p:strVal val="visible"/>
                                       </p:to>
                                     </p:set>
-                                    <p:animEffect transition="in" filter="wipe(left)">
+                                    <p:animEffect transition="in" filter="wipe(down)">
                                       <p:cBhvr>
                                         <p:cTn id="20" dur="500"/>
                                         <p:tgtEl>
-                                          <p:spTgt spid="42"/>
+                                          <p:spTgt spid="43"/>
                                         </p:tgtEl>
                                       </p:cBhvr>
                                     </p:animEffect>
@@ -19130,7 +19125,7 @@
                             </p:stCondLst>
                             <p:childTnLst>
                               <p:par>
-                                <p:cTn id="23" presetID="1" presetClass="entr" presetSubtype="0" fill="hold" grpId="0" nodeType="clickEffect">
+                                <p:cTn id="23" presetID="1" presetClass="entr" presetSubtype="0" fill="hold" nodeType="clickEffect">
                                   <p:stCondLst>
                                     <p:cond delay="0"/>
                                   </p:stCondLst>
@@ -19143,7 +19138,7 @@
                                           </p:stCondLst>
                                         </p:cTn>
                                         <p:tgtEl>
-                                          <p:spTgt spid="51"/>
+                                          <p:spTgt spid="14"/>
                                         </p:tgtEl>
                                         <p:attrNameLst>
                                           <p:attrName>style.visibility</p:attrName>
@@ -19175,7 +19170,7 @@
                             </p:stCondLst>
                             <p:childTnLst>
                               <p:par>
-                                <p:cTn id="27" presetID="1" presetClass="entr" presetSubtype="0" fill="hold" grpId="0" nodeType="clickEffect">
+                                <p:cTn id="27" presetID="1" presetClass="entr" presetSubtype="0" fill="hold" nodeType="clickEffect">
                                   <p:stCondLst>
                                     <p:cond delay="0"/>
                                   </p:stCondLst>
@@ -19188,7 +19183,7 @@
                                           </p:stCondLst>
                                         </p:cTn>
                                         <p:tgtEl>
-                                          <p:spTgt spid="57"/>
+                                          <p:spTgt spid="15"/>
                                         </p:tgtEl>
                                         <p:attrNameLst>
                                           <p:attrName>style.visibility</p:attrName>
@@ -19220,7 +19215,7 @@
                             </p:stCondLst>
                             <p:childTnLst>
                               <p:par>
-                                <p:cTn id="31" presetID="1" presetClass="entr" presetSubtype="0" fill="hold" nodeType="clickEffect">
+                                <p:cTn id="31" presetID="1" presetClass="entr" presetSubtype="0" fill="hold" grpId="0" nodeType="clickEffect">
                                   <p:stCondLst>
                                     <p:cond delay="0"/>
                                   </p:stCondLst>
@@ -19233,52 +19228,7 @@
                                           </p:stCondLst>
                                         </p:cTn>
                                         <p:tgtEl>
-                                          <p:spTgt spid="15"/>
-                                        </p:tgtEl>
-                                        <p:attrNameLst>
-                                          <p:attrName>style.visibility</p:attrName>
-                                        </p:attrNameLst>
-                                      </p:cBhvr>
-                                      <p:to>
-                                        <p:strVal val="visible"/>
-                                      </p:to>
-                                    </p:set>
-                                  </p:childTnLst>
-                                </p:cTn>
-                              </p:par>
-                            </p:childTnLst>
-                          </p:cTn>
-                        </p:par>
-                      </p:childTnLst>
-                    </p:cTn>
-                  </p:par>
-                  <p:par>
-                    <p:cTn id="33" fill="hold">
-                      <p:stCondLst>
-                        <p:cond delay="indefinite"/>
-                      </p:stCondLst>
-                      <p:childTnLst>
-                        <p:par>
-                          <p:cTn id="34" fill="hold">
-                            <p:stCondLst>
-                              <p:cond delay="0"/>
-                            </p:stCondLst>
-                            <p:childTnLst>
-                              <p:par>
-                                <p:cTn id="35" presetID="1" presetClass="entr" presetSubtype="0" fill="hold" nodeType="clickEffect">
-                                  <p:stCondLst>
-                                    <p:cond delay="0"/>
-                                  </p:stCondLst>
-                                  <p:childTnLst>
-                                    <p:set>
-                                      <p:cBhvr>
-                                        <p:cTn id="36" dur="1" fill="hold">
-                                          <p:stCondLst>
-                                            <p:cond delay="0"/>
-                                          </p:stCondLst>
-                                        </p:cTn>
-                                        <p:tgtEl>
-                                          <p:spTgt spid="16"/>
+                                          <p:spTgt spid="57"/>
                                         </p:tgtEl>
                                         <p:attrNameLst>
                                           <p:attrName>style.visibility</p:attrName>
@@ -19319,7 +19269,6 @@
       </p:par>
     </p:tnLst>
     <p:bldLst>
-      <p:bldP spid="51" grpId="0"/>
       <p:bldP spid="57" grpId="0" animBg="1"/>
     </p:bldLst>
   </p:timing>
@@ -19568,11 +19517,7 @@
           <a:p>
             <a:r>
               <a:rPr lang="en-US" sz="2400" b="1" i="1" dirty="0" smtClean="0"/>
-              <a:t>Introduction </a:t>
-            </a:r>
-            <a:r>
-              <a:rPr lang="en-US" sz="2400" b="1" i="1" dirty="0" smtClean="0"/>
-              <a:t>to Information Retrieval</a:t>
+              <a:t>Introduction to Information Retrieval</a:t>
             </a:r>
             <a:r>
               <a:rPr lang="en-US" sz="2400" dirty="0" smtClean="0"/>
@@ -19608,36 +19553,30 @@
             </a:r>
             <a:r>
               <a:rPr lang="en-US" sz="2400" dirty="0" smtClean="0"/>
-              <a:t>, Cambridge University Press, 2007</a:t>
+              <a:t>, Cambridge University Press, 2007.</a:t>
+            </a:r>
+          </a:p>
+          <a:p>
+            <a:r>
+              <a:rPr lang="en-US" sz="2400" b="1" i="1" dirty="0"/>
+              <a:t>Speech and Language Processing</a:t>
+            </a:r>
+            <a:r>
+              <a:rPr lang="en-US" sz="2400" dirty="0"/>
+              <a:t>. Daniel </a:t>
+            </a:r>
+            <a:r>
+              <a:rPr lang="en-US" sz="2400" dirty="0" err="1"/>
+              <a:t>Jurafsky</a:t>
+            </a:r>
+            <a:r>
+              <a:rPr lang="en-US" sz="2400" dirty="0"/>
+              <a:t> and James H. Martin, Pearson Education, 2000</a:t>
             </a:r>
             <a:r>
               <a:rPr lang="en-US" sz="2400" dirty="0" smtClean="0"/>
               <a:t>.</a:t>
             </a:r>
-            <a:endParaRPr lang="en-US" sz="2400" dirty="0" smtClean="0"/>
-          </a:p>
-          <a:p>
-            <a:r>
-              <a:rPr lang="en-US" sz="2400" b="1" i="1" dirty="0"/>
-              <a:t>Speech and Language Processing</a:t>
-            </a:r>
-            <a:r>
-              <a:rPr lang="en-US" sz="2400" dirty="0"/>
-              <a:t>. Daniel </a:t>
-            </a:r>
-            <a:r>
-              <a:rPr lang="en-US" sz="2400" dirty="0" err="1"/>
-              <a:t>Jurafsky</a:t>
-            </a:r>
-            <a:r>
-              <a:rPr lang="en-US" sz="2400" dirty="0"/>
-              <a:t> and James H. Martin, Pearson Education, 2000</a:t>
-            </a:r>
-            <a:r>
-              <a:rPr lang="en-US" sz="2400" dirty="0" smtClean="0"/>
-              <a:t>.</a:t>
-            </a:r>
-            <a:endParaRPr lang="en-US" sz="2400" dirty="0" smtClean="0"/>
           </a:p>
           <a:p>
             <a:r>
